--- a/materials/slides/3.7.pptx
+++ b/materials/slides/3.7.pptx
@@ -5,20 +5,20 @@
     <p:sldMasterId id="2147483648" r:id="rId1"/>
   </p:sldMasterIdLst>
   <p:notesMasterIdLst>
-    <p:notesMasterId r:id="rId24"/>
+    <p:notesMasterId r:id="rId21"/>
   </p:notesMasterIdLst>
   <p:handoutMasterIdLst>
-    <p:handoutMasterId r:id="rId25"/>
+    <p:handoutMasterId r:id="rId22"/>
   </p:handoutMasterIdLst>
   <p:sldIdLst>
     <p:sldId id="552" r:id="rId2"/>
     <p:sldId id="575" r:id="rId3"/>
     <p:sldId id="553" r:id="rId4"/>
-    <p:sldId id="554" r:id="rId5"/>
-    <p:sldId id="556" r:id="rId6"/>
-    <p:sldId id="576" r:id="rId7"/>
-    <p:sldId id="557" r:id="rId8"/>
-    <p:sldId id="558" r:id="rId9"/>
+    <p:sldId id="556" r:id="rId5"/>
+    <p:sldId id="576" r:id="rId6"/>
+    <p:sldId id="557" r:id="rId7"/>
+    <p:sldId id="558" r:id="rId8"/>
+    <p:sldId id="578" r:id="rId9"/>
     <p:sldId id="559" r:id="rId10"/>
     <p:sldId id="560" r:id="rId11"/>
     <p:sldId id="561" r:id="rId12"/>
@@ -26,13 +26,10 @@
     <p:sldId id="563" r:id="rId14"/>
     <p:sldId id="564" r:id="rId15"/>
     <p:sldId id="565" r:id="rId16"/>
-    <p:sldId id="566" r:id="rId17"/>
-    <p:sldId id="567" r:id="rId18"/>
-    <p:sldId id="571" r:id="rId19"/>
-    <p:sldId id="572" r:id="rId20"/>
-    <p:sldId id="573" r:id="rId21"/>
-    <p:sldId id="577" r:id="rId22"/>
-    <p:sldId id="574" r:id="rId23"/>
+    <p:sldId id="572" r:id="rId17"/>
+    <p:sldId id="573" r:id="rId18"/>
+    <p:sldId id="577" r:id="rId19"/>
+    <p:sldId id="574" r:id="rId20"/>
   </p:sldIdLst>
   <p:sldSz cx="12192000" cy="6858000"/>
   <p:notesSz cx="6858000" cy="9144000"/>
@@ -872,14 +869,6 @@
 <file path=ppt/notesSlides/notesSlide2.xml><?xml version="1.0" encoding="utf-8"?>
 <p:notes xmlns:a="http://schemas.openxmlformats.org/drawingml/2006/main" xmlns:r="http://schemas.openxmlformats.org/officeDocument/2006/relationships" xmlns:p="http://schemas.openxmlformats.org/presentationml/2006/main">
   <p:cSld>
-    <p:bg>
-      <p:bgPr>
-        <a:solidFill>
-          <a:srgbClr val="FFFFFF"/>
-        </a:solidFill>
-        <a:effectLst/>
-      </p:bgPr>
-    </p:bg>
     <p:spTree>
       <p:nvGrpSpPr>
         <p:cNvPr id="1" name=""/>
@@ -896,12 +885,24 @@
       </p:grpSpPr>
       <p:sp>
         <p:nvSpPr>
-          <p:cNvPr id="4" name="Rectangle 8"/>
+          <p:cNvPr id="2" name="幻灯片图像占位符 1"/>
           <p:cNvSpPr>
-            <a:spLocks noGrp="1" noChangeArrowheads="1"/>
+            <a:spLocks noGrp="1" noRot="1" noChangeAspect="1"/>
           </p:cNvSpPr>
           <p:nvPr>
-            <p:ph type="sldNum" sz="quarter" idx="5"/>
+            <p:ph type="sldImg"/>
+          </p:nvPr>
+        </p:nvSpPr>
+        <p:spPr/>
+      </p:sp>
+      <p:sp>
+        <p:nvSpPr>
+          <p:cNvPr id="3" name="备注占位符 2"/>
+          <p:cNvSpPr>
+            <a:spLocks noGrp="1"/>
+          </p:cNvSpPr>
+          <p:nvPr>
+            <p:ph type="body" idx="1"/>
           </p:nvPr>
         </p:nvSpPr>
         <p:spPr/>
@@ -909,102 +910,33 @@
           <a:bodyPr/>
           <a:lstStyle/>
           <a:p>
-            <a:pPr>
-              <a:defRPr/>
-            </a:pPr>
-            <a:fld id="{B5D9138E-DB2A-4935-A0B9-B284798CE9F1}" type="slidenum">
-              <a:rPr lang="en-US"/>
-              <a:t>4</a:t>
-            </a:fld>
-            <a:endParaRPr lang="en-US"/>
+            <a:endParaRPr lang="zh-CN" altLang="en-US" dirty="0"/>
           </a:p>
         </p:txBody>
       </p:sp>
       <p:sp>
         <p:nvSpPr>
-          <p:cNvPr id="28675" name="Rectangle 1"/>
+          <p:cNvPr id="4" name="灯片编号占位符 3"/>
           <p:cNvSpPr>
-            <a:spLocks noGrp="1" noRot="1" noChangeAspect="1" noChangeArrowheads="1" noTextEdit="1"/>
+            <a:spLocks noGrp="1"/>
           </p:cNvSpPr>
           <p:nvPr>
-            <p:ph type="sldImg"/>
+            <p:ph type="sldNum" sz="quarter" idx="10"/>
           </p:nvPr>
         </p:nvSpPr>
-        <p:spPr bwMode="auto">
-          <a:xfrm>
-            <a:off x="382588" y="685800"/>
-            <a:ext cx="6094412" cy="3429000"/>
-          </a:xfrm>
-          <a:solidFill>
-            <a:srgbClr val="FFFFFF"/>
-          </a:solidFill>
-          <a:ln>
-            <a:solidFill>
-              <a:srgbClr val="000000"/>
-            </a:solidFill>
-            <a:miter lim="800000"/>
-          </a:ln>
-          <a:extLst>
-            <a:ext uri="{AF507438-7753-43E0-B8FC-AC1667EBCBE1}">
-              <a14:hiddenEffects xmlns:a14="http://schemas.microsoft.com/office/drawing/2010/main">
-                <a:effectLst>
-                  <a:outerShdw dist="35921" dir="2700000" algn="ctr" rotWithShape="0">
-                    <a:srgbClr val="808080"/>
-                  </a:outerShdw>
-                </a:effectLst>
-              </a14:hiddenEffects>
-            </a:ext>
-          </a:extLst>
-        </p:spPr>
-      </p:sp>
-      <p:sp>
-        <p:nvSpPr>
-          <p:cNvPr id="28676" name="Rectangle 2"/>
-          <p:cNvSpPr>
-            <a:spLocks noGrp="1" noChangeArrowheads="1"/>
-          </p:cNvSpPr>
-          <p:nvPr>
-            <p:ph type="body" idx="1"/>
-          </p:nvPr>
-        </p:nvSpPr>
-        <p:spPr bwMode="auto">
-          <a:xfrm>
-            <a:off x="914400" y="4343400"/>
-            <a:ext cx="5030788" cy="4114800"/>
-          </a:xfrm>
-          <a:noFill/>
-          <a:extLst>
-            <a:ext uri="{909E8E84-426E-40DD-AFC4-6F175D3DCCD1}">
-              <a14:hiddenFill xmlns:a14="http://schemas.microsoft.com/office/drawing/2010/main">
-                <a:solidFill>
-                  <a:srgbClr val="FFFFFF"/>
-                </a:solidFill>
-              </a14:hiddenFill>
-            </a:ext>
-            <a:ext uri="{91240B29-F687-4F45-9708-019B960494DF}">
-              <a14:hiddenLine xmlns:a14="http://schemas.microsoft.com/office/drawing/2010/main" w="9525">
-                <a:solidFill>
-                  <a:srgbClr val="808080"/>
-                </a:solidFill>
-                <a:round/>
-              </a14:hiddenLine>
-            </a:ext>
-            <a:ext uri="{AF507438-7753-43E0-B8FC-AC1667EBCBE1}">
-              <a14:hiddenEffects xmlns:a14="http://schemas.microsoft.com/office/drawing/2010/main">
-                <a:effectLst>
-                  <a:outerShdw dist="35921" dir="2700000" algn="ctr" rotWithShape="0">
-                    <a:srgbClr val="808080"/>
-                  </a:outerShdw>
-                </a:effectLst>
-              </a14:hiddenEffects>
-            </a:ext>
-          </a:extLst>
-        </p:spPr>
+        <p:spPr/>
         <p:txBody>
-          <a:bodyPr wrap="none" numCol="1" anchor="ctr" anchorCtr="0" compatLnSpc="1"/>
+          <a:bodyPr/>
           <a:lstStyle/>
           <a:p>
-            <a:endParaRPr lang="zh-CN" altLang="zh-CN" dirty="0" smtClean="0"/>
+            <a:pPr>
+              <a:defRPr/>
+            </a:pPr>
+            <a:fld id="{C6E7EC9E-A07B-4D49-8E17-EEA97947E75D}" type="slidenum">
+              <a:rPr lang="en-US" altLang="zh-CN" smtClean="0"/>
+              <a:t>6</a:t>
+            </a:fld>
+            <a:endParaRPr lang="en-US" altLang="zh-CN"/>
           </a:p>
         </p:txBody>
       </p:sp>
@@ -1060,6 +992,505 @@
           <a:bodyPr/>
           <a:lstStyle/>
           <a:p>
+            <a:r>
+              <a:rPr lang="zh-CN" altLang="en-US" dirty="0" smtClean="0">
+                <a:hlinkClick r:id="rId3"/>
+              </a:rPr>
+              <a:t>有限状态自动机</a:t>
+            </a:r>
+            <a:r>
+              <a:rPr lang="zh-CN" altLang="en-US" dirty="0" smtClean="0"/>
+              <a:t>（</a:t>
+            </a:r>
+            <a:r>
+              <a:rPr lang="en-US" altLang="zh-CN" dirty="0" err="1" smtClean="0"/>
+              <a:t>FSM</a:t>
+            </a:r>
+            <a:r>
+              <a:rPr lang="en-US" altLang="zh-CN" dirty="0" smtClean="0"/>
+              <a:t> "finite state machine" </a:t>
+            </a:r>
+            <a:r>
+              <a:rPr lang="zh-CN" altLang="en-US" dirty="0" smtClean="0"/>
+              <a:t>或者</a:t>
+            </a:r>
+            <a:r>
+              <a:rPr lang="en-US" altLang="zh-CN" dirty="0" smtClean="0"/>
+              <a:t>FSA "finite state automaton" </a:t>
+            </a:r>
+            <a:r>
+              <a:rPr lang="zh-CN" altLang="en-US" dirty="0" smtClean="0"/>
+              <a:t>）是为研究有限内存的计算过程和某些语言类而抽象出的一种计算模型。有限状态自动机拥有有限数量的状态，每个状态可以迁移到零个或多个状态，输入字串决定执行哪个状态的迁移。有限状态自动机可以表示为一个有向图。有限状态自动机是</a:t>
+            </a:r>
+            <a:r>
+              <a:rPr lang="zh-CN" altLang="en-US" dirty="0" smtClean="0">
+                <a:hlinkClick r:id="rId4"/>
+              </a:rPr>
+              <a:t>自动机理论</a:t>
+            </a:r>
+            <a:r>
+              <a:rPr lang="zh-CN" altLang="en-US" dirty="0" smtClean="0"/>
+              <a:t>的研究对象。</a:t>
+            </a:r>
+            <a:endParaRPr lang="en-US" altLang="zh-CN" sz="1200" b="1" kern="1200" dirty="0" smtClean="0">
+              <a:solidFill>
+                <a:schemeClr val="tx1"/>
+              </a:solidFill>
+              <a:effectLst/>
+              <a:latin typeface="Arial" panose="020B0604020202020204" pitchFamily="34" charset="0"/>
+              <a:ea typeface="宋体" panose="02010600030101010101" pitchFamily="2" charset="-122"/>
+              <a:cs typeface="+mn-cs"/>
+            </a:endParaRPr>
+          </a:p>
+          <a:p>
+            <a:r>
+              <a:rPr lang="zh-CN" altLang="en-US" sz="1200" b="1" kern="1200" dirty="0" smtClean="0">
+                <a:solidFill>
+                  <a:schemeClr val="tx1"/>
+                </a:solidFill>
+                <a:effectLst/>
+                <a:latin typeface="Arial" panose="020B0604020202020204" pitchFamily="34" charset="0"/>
+                <a:ea typeface="宋体" panose="02010600030101010101" pitchFamily="2" charset="-122"/>
+                <a:cs typeface="+mn-cs"/>
+              </a:rPr>
+              <a:t>进程的三种基本状态</a:t>
+            </a:r>
+            <a:endParaRPr lang="zh-CN" altLang="en-US" dirty="0" smtClean="0"/>
+          </a:p>
+          <a:p>
+            <a:r>
+              <a:rPr lang="zh-CN" altLang="en-US" dirty="0" smtClean="0">
+                <a:effectLst/>
+              </a:rPr>
+              <a:t>    进程在运行中不断地改变其运行状态。通常，一个运行进程必须具有以下三种基本状态。</a:t>
+            </a:r>
+            <a:endParaRPr lang="zh-CN" altLang="en-US" dirty="0" smtClean="0"/>
+          </a:p>
+          <a:p>
+            <a:r>
+              <a:rPr lang="zh-CN" altLang="en-US" dirty="0" smtClean="0">
+                <a:effectLst/>
+              </a:rPr>
+              <a:t> </a:t>
+            </a:r>
+            <a:r>
+              <a:rPr lang="zh-CN" altLang="en-US" sz="1200" b="1" kern="1200" dirty="0" smtClean="0">
+                <a:solidFill>
+                  <a:schemeClr val="tx1"/>
+                </a:solidFill>
+                <a:effectLst/>
+                <a:latin typeface="Arial" panose="020B0604020202020204" pitchFamily="34" charset="0"/>
+                <a:ea typeface="宋体" panose="02010600030101010101" pitchFamily="2" charset="-122"/>
+                <a:cs typeface="+mn-cs"/>
+              </a:rPr>
+              <a:t>就绪</a:t>
+            </a:r>
+            <a:r>
+              <a:rPr lang="en-US" altLang="zh-CN" sz="1200" b="1" kern="1200" dirty="0" smtClean="0">
+                <a:solidFill>
+                  <a:schemeClr val="tx1"/>
+                </a:solidFill>
+                <a:effectLst/>
+                <a:latin typeface="Arial" panose="020B0604020202020204" pitchFamily="34" charset="0"/>
+                <a:ea typeface="宋体" panose="02010600030101010101" pitchFamily="2" charset="-122"/>
+                <a:cs typeface="+mn-cs"/>
+              </a:rPr>
+              <a:t>(Ready)</a:t>
+            </a:r>
+            <a:r>
+              <a:rPr lang="zh-CN" altLang="en-US" sz="1200" b="1" kern="1200" dirty="0" smtClean="0">
+                <a:solidFill>
+                  <a:schemeClr val="tx1"/>
+                </a:solidFill>
+                <a:effectLst/>
+                <a:latin typeface="Arial" panose="020B0604020202020204" pitchFamily="34" charset="0"/>
+                <a:ea typeface="宋体" panose="02010600030101010101" pitchFamily="2" charset="-122"/>
+                <a:cs typeface="+mn-cs"/>
+              </a:rPr>
+              <a:t>状态</a:t>
+            </a:r>
+            <a:endParaRPr lang="zh-CN" altLang="en-US" dirty="0" smtClean="0"/>
+          </a:p>
+          <a:p>
+            <a:r>
+              <a:rPr lang="zh-CN" altLang="en-US" dirty="0" smtClean="0">
+                <a:effectLst/>
+              </a:rPr>
+              <a:t>    当进程已分配到除</a:t>
+            </a:r>
+            <a:r>
+              <a:rPr lang="en-US" altLang="zh-CN" dirty="0" smtClean="0">
+                <a:effectLst/>
+              </a:rPr>
+              <a:t>CPU</a:t>
+            </a:r>
+            <a:r>
+              <a:rPr lang="zh-CN" altLang="en-US" dirty="0" smtClean="0">
+                <a:effectLst/>
+              </a:rPr>
+              <a:t>以外的所有必要的资源，只要获得处理机便可立即执行，这时的进程状态称为就绪状态。</a:t>
+            </a:r>
+            <a:endParaRPr lang="zh-CN" altLang="en-US" dirty="0" smtClean="0"/>
+          </a:p>
+          <a:p>
+            <a:r>
+              <a:rPr lang="zh-CN" altLang="en-US" dirty="0" smtClean="0">
+                <a:effectLst/>
+              </a:rPr>
+              <a:t> </a:t>
+            </a:r>
+            <a:r>
+              <a:rPr lang="zh-CN" altLang="en-US" sz="1200" b="1" kern="1200" dirty="0" smtClean="0">
+                <a:solidFill>
+                  <a:schemeClr val="tx1"/>
+                </a:solidFill>
+                <a:effectLst/>
+                <a:latin typeface="Arial" panose="020B0604020202020204" pitchFamily="34" charset="0"/>
+                <a:ea typeface="宋体" panose="02010600030101010101" pitchFamily="2" charset="-122"/>
+                <a:cs typeface="+mn-cs"/>
+              </a:rPr>
+              <a:t>执行（</a:t>
+            </a:r>
+            <a:r>
+              <a:rPr lang="en-US" altLang="zh-CN" sz="1200" b="1" kern="1200" dirty="0" smtClean="0">
+                <a:solidFill>
+                  <a:schemeClr val="tx1"/>
+                </a:solidFill>
+                <a:effectLst/>
+                <a:latin typeface="Arial" panose="020B0604020202020204" pitchFamily="34" charset="0"/>
+                <a:ea typeface="宋体" panose="02010600030101010101" pitchFamily="2" charset="-122"/>
+                <a:cs typeface="+mn-cs"/>
+              </a:rPr>
+              <a:t>Running</a:t>
+            </a:r>
+            <a:r>
+              <a:rPr lang="zh-CN" altLang="en-US" sz="1200" b="1" kern="1200" dirty="0" smtClean="0">
+                <a:solidFill>
+                  <a:schemeClr val="tx1"/>
+                </a:solidFill>
+                <a:effectLst/>
+                <a:latin typeface="Arial" panose="020B0604020202020204" pitchFamily="34" charset="0"/>
+                <a:ea typeface="宋体" panose="02010600030101010101" pitchFamily="2" charset="-122"/>
+                <a:cs typeface="+mn-cs"/>
+              </a:rPr>
+              <a:t>）状态</a:t>
+            </a:r>
+            <a:r>
+              <a:rPr lang="zh-CN" altLang="en-US" dirty="0" smtClean="0">
+                <a:effectLst/>
+              </a:rPr>
+              <a:t/>
+            </a:r>
+            <a:br>
+              <a:rPr lang="zh-CN" altLang="en-US" dirty="0" smtClean="0">
+                <a:effectLst/>
+              </a:rPr>
+            </a:br>
+            <a:r>
+              <a:rPr lang="zh-CN" altLang="en-US" dirty="0" smtClean="0">
+                <a:effectLst/>
+              </a:rPr>
+              <a:t>当进程已获得处理机，其程序正在处理机上执行，此时的进程状态称为执行状态。</a:t>
+            </a:r>
+            <a:endParaRPr lang="zh-CN" altLang="en-US" dirty="0" smtClean="0"/>
+          </a:p>
+          <a:p>
+            <a:r>
+              <a:rPr lang="zh-CN" altLang="en-US" dirty="0" smtClean="0">
+                <a:effectLst/>
+              </a:rPr>
+              <a:t> </a:t>
+            </a:r>
+            <a:r>
+              <a:rPr lang="zh-CN" altLang="en-US" sz="1200" b="1" kern="1200" dirty="0" smtClean="0">
+                <a:solidFill>
+                  <a:schemeClr val="tx1"/>
+                </a:solidFill>
+                <a:effectLst/>
+                <a:latin typeface="Arial" panose="020B0604020202020204" pitchFamily="34" charset="0"/>
+                <a:ea typeface="宋体" panose="02010600030101010101" pitchFamily="2" charset="-122"/>
+                <a:cs typeface="+mn-cs"/>
+              </a:rPr>
+              <a:t>阻塞</a:t>
+            </a:r>
+            <a:r>
+              <a:rPr lang="en-US" altLang="zh-CN" sz="1200" b="1" kern="1200" dirty="0" smtClean="0">
+                <a:solidFill>
+                  <a:schemeClr val="tx1"/>
+                </a:solidFill>
+                <a:effectLst/>
+                <a:latin typeface="Arial" panose="020B0604020202020204" pitchFamily="34" charset="0"/>
+                <a:ea typeface="宋体" panose="02010600030101010101" pitchFamily="2" charset="-122"/>
+                <a:cs typeface="+mn-cs"/>
+              </a:rPr>
+              <a:t>(Blocked)</a:t>
+            </a:r>
+            <a:r>
+              <a:rPr lang="zh-CN" altLang="en-US" sz="1200" b="1" kern="1200" dirty="0" smtClean="0">
+                <a:solidFill>
+                  <a:schemeClr val="tx1"/>
+                </a:solidFill>
+                <a:effectLst/>
+                <a:latin typeface="Arial" panose="020B0604020202020204" pitchFamily="34" charset="0"/>
+                <a:ea typeface="宋体" panose="02010600030101010101" pitchFamily="2" charset="-122"/>
+                <a:cs typeface="+mn-cs"/>
+              </a:rPr>
+              <a:t>状态</a:t>
+            </a:r>
+            <a:r>
+              <a:rPr lang="zh-CN" altLang="en-US" dirty="0" smtClean="0">
+                <a:effectLst/>
+              </a:rPr>
+              <a:t/>
+            </a:r>
+            <a:br>
+              <a:rPr lang="zh-CN" altLang="en-US" dirty="0" smtClean="0">
+                <a:effectLst/>
+              </a:rPr>
+            </a:br>
+            <a:r>
+              <a:rPr lang="zh-CN" altLang="en-US" dirty="0" smtClean="0">
+                <a:effectLst/>
+              </a:rPr>
+              <a:t>正在执行的进程，由于等待某个事件发生而无法执行时，便放弃处理机而处于阻塞状态。引起进程阻塞的事件可有多种，例如，等待</a:t>
+            </a:r>
+            <a:r>
+              <a:rPr lang="en-US" altLang="zh-CN" dirty="0" smtClean="0">
+                <a:effectLst/>
+              </a:rPr>
+              <a:t>I/O</a:t>
+            </a:r>
+            <a:r>
+              <a:rPr lang="zh-CN" altLang="en-US" dirty="0" smtClean="0">
+                <a:effectLst/>
+              </a:rPr>
+              <a:t>完成、申请缓冲区不能满足、等待信件</a:t>
+            </a:r>
+            <a:r>
+              <a:rPr lang="en-US" altLang="zh-CN" dirty="0" smtClean="0">
+                <a:effectLst/>
+              </a:rPr>
+              <a:t>(</a:t>
+            </a:r>
+            <a:r>
+              <a:rPr lang="zh-CN" altLang="en-US" dirty="0" smtClean="0">
+                <a:effectLst/>
+              </a:rPr>
+              <a:t>信号</a:t>
+            </a:r>
+            <a:r>
+              <a:rPr lang="en-US" altLang="zh-CN" dirty="0" smtClean="0">
+                <a:effectLst/>
+              </a:rPr>
+              <a:t>)</a:t>
+            </a:r>
+            <a:r>
+              <a:rPr lang="zh-CN" altLang="en-US" dirty="0" smtClean="0">
+                <a:effectLst/>
+              </a:rPr>
+              <a:t>等。</a:t>
+            </a:r>
+            <a:endParaRPr lang="zh-CN" altLang="en-US" dirty="0" smtClean="0"/>
+          </a:p>
+          <a:p>
+            <a:r>
+              <a:rPr lang="en-US" altLang="zh-CN" sz="1200" b="1" kern="1200" dirty="0" smtClean="0">
+                <a:solidFill>
+                  <a:schemeClr val="tx1"/>
+                </a:solidFill>
+                <a:effectLst/>
+                <a:latin typeface="Arial" panose="020B0604020202020204" pitchFamily="34" charset="0"/>
+                <a:ea typeface="宋体" panose="02010600030101010101" pitchFamily="2" charset="-122"/>
+                <a:cs typeface="+mn-cs"/>
+              </a:rPr>
+              <a:t>2.</a:t>
+            </a:r>
+            <a:r>
+              <a:rPr lang="zh-CN" altLang="en-US" sz="1200" b="1" kern="1200" dirty="0" smtClean="0">
+                <a:solidFill>
+                  <a:schemeClr val="tx1"/>
+                </a:solidFill>
+                <a:effectLst/>
+                <a:latin typeface="Arial" panose="020B0604020202020204" pitchFamily="34" charset="0"/>
+                <a:ea typeface="宋体" panose="02010600030101010101" pitchFamily="2" charset="-122"/>
+                <a:cs typeface="+mn-cs"/>
+              </a:rPr>
+              <a:t>进程三种状态间的转换</a:t>
+            </a:r>
+            <a:endParaRPr lang="zh-CN" altLang="en-US" dirty="0" smtClean="0"/>
+          </a:p>
+          <a:p>
+            <a:r>
+              <a:rPr lang="zh-CN" altLang="en-US" dirty="0" smtClean="0"/>
+              <a:t> </a:t>
+            </a:r>
+          </a:p>
+          <a:p>
+            <a:r>
+              <a:rPr lang="zh-CN" altLang="en-US" dirty="0" smtClean="0">
+                <a:effectLst/>
+              </a:rPr>
+              <a:t>一个进程在运行期间，不断地从一种状态转换到另一种状态，它可以多次处于就绪状态和执行状态，也可以多次处于阻塞状态。图</a:t>
+            </a:r>
+            <a:r>
+              <a:rPr lang="en-US" altLang="zh-CN" dirty="0" smtClean="0">
+                <a:effectLst/>
+              </a:rPr>
+              <a:t>3_4</a:t>
+            </a:r>
+            <a:r>
+              <a:rPr lang="zh-CN" altLang="en-US" dirty="0" smtClean="0">
+                <a:effectLst/>
+              </a:rPr>
+              <a:t>描述了进程的三种基本状态及其转换。</a:t>
+            </a:r>
+            <a:endParaRPr lang="zh-CN" altLang="en-US" dirty="0" smtClean="0"/>
+          </a:p>
+          <a:p>
+            <a:r>
+              <a:rPr lang="zh-CN" altLang="en-US" dirty="0" smtClean="0">
+                <a:effectLst/>
+              </a:rPr>
+              <a:t>　</a:t>
+            </a:r>
+            <a:r>
+              <a:rPr lang="en-US" altLang="zh-CN" dirty="0" smtClean="0">
+                <a:effectLst/>
+              </a:rPr>
+              <a:t>(1) </a:t>
+            </a:r>
+            <a:r>
+              <a:rPr lang="zh-CN" altLang="en-US" dirty="0" smtClean="0">
+                <a:effectLst/>
+              </a:rPr>
+              <a:t>就绪→执行</a:t>
+            </a:r>
+            <a:br>
+              <a:rPr lang="zh-CN" altLang="en-US" dirty="0" smtClean="0">
+                <a:effectLst/>
+              </a:rPr>
+            </a:br>
+            <a:r>
+              <a:rPr lang="zh-CN" altLang="en-US" dirty="0" smtClean="0">
+                <a:effectLst/>
+              </a:rPr>
+              <a:t>处于就绪状态的进程，当进程调度程序为之分配了处理机后，该进程便由就绪状态转变成执行状态。</a:t>
+            </a:r>
+            <a:endParaRPr lang="zh-CN" altLang="en-US" dirty="0" smtClean="0"/>
+          </a:p>
+          <a:p>
+            <a:r>
+              <a:rPr lang="zh-CN" altLang="en-US" dirty="0" smtClean="0">
+                <a:effectLst/>
+              </a:rPr>
+              <a:t>　</a:t>
+            </a:r>
+            <a:r>
+              <a:rPr lang="en-US" altLang="zh-CN" dirty="0" smtClean="0">
+                <a:effectLst/>
+              </a:rPr>
+              <a:t>(2) </a:t>
+            </a:r>
+            <a:r>
+              <a:rPr lang="zh-CN" altLang="en-US" dirty="0" smtClean="0">
+                <a:effectLst/>
+              </a:rPr>
+              <a:t>执行→就绪 </a:t>
+            </a:r>
+            <a:r>
+              <a:rPr lang="zh-CN" altLang="en-US" dirty="0" smtClean="0"/>
+              <a:t>就绪队列</a:t>
+            </a:r>
+            <a:r>
+              <a:rPr lang="zh-CN" altLang="en-US" dirty="0" smtClean="0">
+                <a:effectLst/>
+              </a:rPr>
+              <a:t/>
+            </a:r>
+            <a:br>
+              <a:rPr lang="zh-CN" altLang="en-US" dirty="0" smtClean="0">
+                <a:effectLst/>
+              </a:rPr>
+            </a:br>
+            <a:r>
+              <a:rPr lang="zh-CN" altLang="en-US" dirty="0" smtClean="0">
+                <a:effectLst/>
+              </a:rPr>
+              <a:t>处于执行状态的进程在其执行过程中，因分配给它的一个时间片已用完而不得不让出处理机，于是进程从执行状态转变成就绪状态。</a:t>
+            </a:r>
+            <a:endParaRPr lang="zh-CN" altLang="en-US" dirty="0" smtClean="0"/>
+          </a:p>
+          <a:p>
+            <a:r>
+              <a:rPr lang="zh-CN" altLang="en-US" dirty="0" smtClean="0">
+                <a:effectLst/>
+              </a:rPr>
+              <a:t>　</a:t>
+            </a:r>
+            <a:r>
+              <a:rPr lang="en-US" altLang="zh-CN" dirty="0" smtClean="0">
+                <a:effectLst/>
+              </a:rPr>
+              <a:t>(3) </a:t>
+            </a:r>
+            <a:r>
+              <a:rPr lang="zh-CN" altLang="en-US" dirty="0" smtClean="0">
+                <a:effectLst/>
+              </a:rPr>
+              <a:t>执行→阻塞</a:t>
+            </a:r>
+            <a:br>
+              <a:rPr lang="zh-CN" altLang="en-US" dirty="0" smtClean="0">
+                <a:effectLst/>
+              </a:rPr>
+            </a:br>
+            <a:r>
+              <a:rPr lang="zh-CN" altLang="en-US" dirty="0" smtClean="0">
+                <a:effectLst/>
+              </a:rPr>
+              <a:t>正在执行的进程因等待某种事件发生而无法继续执行时，便从执行状态变成阻塞状态。</a:t>
+            </a:r>
+            <a:endParaRPr lang="zh-CN" altLang="en-US" dirty="0" smtClean="0"/>
+          </a:p>
+          <a:p>
+            <a:r>
+              <a:rPr lang="zh-CN" altLang="en-US" dirty="0" smtClean="0">
+                <a:effectLst/>
+              </a:rPr>
+              <a:t>　</a:t>
+            </a:r>
+            <a:r>
+              <a:rPr lang="en-US" altLang="zh-CN" dirty="0" smtClean="0">
+                <a:effectLst/>
+              </a:rPr>
+              <a:t>(4) </a:t>
+            </a:r>
+            <a:r>
+              <a:rPr lang="zh-CN" altLang="en-US" dirty="0" smtClean="0">
+                <a:effectLst/>
+              </a:rPr>
+              <a:t>阻塞→就绪</a:t>
+            </a:r>
+            <a:br>
+              <a:rPr lang="zh-CN" altLang="en-US" dirty="0" smtClean="0">
+                <a:effectLst/>
+              </a:rPr>
+            </a:br>
+            <a:r>
+              <a:rPr lang="zh-CN" altLang="en-US" dirty="0" smtClean="0">
+                <a:effectLst/>
+              </a:rPr>
+              <a:t>处于阻塞状态的进程，若其等待的事件已经发生，于是进程由阻塞状态转变为就绪状态。</a:t>
+            </a:r>
+            <a:endParaRPr lang="zh-CN" altLang="en-US" dirty="0" smtClean="0"/>
+          </a:p>
+          <a:p>
+            <a:r>
+              <a:rPr lang="zh-CN" altLang="en-US" dirty="0" smtClean="0">
+                <a:effectLst/>
+              </a:rPr>
+              <a:t> </a:t>
+            </a:r>
             <a:endParaRPr lang="zh-CN" altLang="en-US" dirty="0"/>
           </a:p>
         </p:txBody>
@@ -1079,14 +1510,11 @@
           <a:bodyPr/>
           <a:lstStyle/>
           <a:p>
-            <a:pPr>
-              <a:defRPr/>
-            </a:pPr>
-            <a:fld id="{C6E7EC9E-A07B-4D49-8E17-EEA97947E75D}" type="slidenum">
-              <a:rPr lang="en-US" altLang="zh-CN" smtClean="0"/>
+            <a:fld id="{9294396F-7CC6-42E5-83BE-72592AAF95CF}" type="slidenum">
+              <a:rPr lang="zh-CN" altLang="en-US" smtClean="0"/>
               <a:t>7</a:t>
             </a:fld>
-            <a:endParaRPr lang="en-US" altLang="zh-CN"/>
+            <a:endParaRPr lang="zh-CN" altLang="en-US"/>
           </a:p>
         </p:txBody>
       </p:sp>
@@ -1163,7 +1591,7 @@
           <a:p>
             <a:fld id="{9294396F-7CC6-42E5-83BE-72592AAF95CF}" type="slidenum">
               <a:rPr lang="zh-CN" altLang="en-US" smtClean="0"/>
-              <a:t>8</a:t>
+              <a:t>10</a:t>
             </a:fld>
             <a:endParaRPr lang="zh-CN" altLang="en-US"/>
           </a:p>
@@ -1221,7 +1649,7 @@
           <a:bodyPr/>
           <a:lstStyle/>
           <a:p>
-            <a:endParaRPr lang="zh-CN" altLang="en-US" dirty="0"/>
+            <a:endParaRPr lang="zh-CN" altLang="en-US"/>
           </a:p>
         </p:txBody>
       </p:sp>
@@ -1240,11 +1668,14 @@
           <a:bodyPr/>
           <a:lstStyle/>
           <a:p>
-            <a:fld id="{9294396F-7CC6-42E5-83BE-72592AAF95CF}" type="slidenum">
-              <a:rPr lang="zh-CN" altLang="en-US" smtClean="0"/>
-              <a:t>10</a:t>
+            <a:pPr>
+              <a:defRPr/>
+            </a:pPr>
+            <a:fld id="{C6E7EC9E-A07B-4D49-8E17-EEA97947E75D}" type="slidenum">
+              <a:rPr lang="en-US" altLang="zh-CN" smtClean="0"/>
+              <a:t>12</a:t>
             </a:fld>
-            <a:endParaRPr lang="zh-CN" altLang="en-US"/>
+            <a:endParaRPr lang="en-US" altLang="zh-CN"/>
           </a:p>
         </p:txBody>
       </p:sp>
@@ -1300,37 +1731,16 @@
           <a:bodyPr/>
           <a:lstStyle/>
           <a:p>
-            <a:endParaRPr lang="zh-CN" altLang="en-US"/>
-          </a:p>
-        </p:txBody>
-      </p:sp>
-      <p:sp>
-        <p:nvSpPr>
-          <p:cNvPr id="4" name="灯片编号占位符 3"/>
-          <p:cNvSpPr>
-            <a:spLocks noGrp="1"/>
-          </p:cNvSpPr>
-          <p:nvPr>
-            <p:ph type="sldNum" sz="quarter" idx="10"/>
-          </p:nvPr>
-        </p:nvSpPr>
-        <p:spPr/>
-        <p:txBody>
-          <a:bodyPr/>
-          <a:lstStyle/>
-          <a:p>
-            <a:pPr>
-              <a:defRPr/>
-            </a:pPr>
-            <a:fld id="{C6E7EC9E-A07B-4D49-8E17-EEA97947E75D}" type="slidenum">
-              <a:rPr lang="en-US" altLang="zh-CN" smtClean="0"/>
-              <a:t>12</a:t>
-            </a:fld>
-            <a:endParaRPr lang="en-US" altLang="zh-CN"/>
+            <a:endParaRPr lang="zh-CN" altLang="en-US" dirty="0"/>
           </a:p>
         </p:txBody>
       </p:sp>
     </p:spTree>
+    <p:extLst>
+      <p:ext uri="{BB962C8B-B14F-4D97-AF65-F5344CB8AC3E}">
+        <p14:creationId xmlns:p14="http://schemas.microsoft.com/office/powerpoint/2010/main" val="636569771"/>
+      </p:ext>
+    </p:extLst>
   </p:cSld>
   <p:clrMapOvr>
     <a:masterClrMapping/>
@@ -2811,6 +3221,131 @@
   <p:transition>
     <p:blinds dir="vert"/>
   </p:transition>
+</p:sldLayout>
+</file>
+
+<file path=ppt/slideLayouts/slideLayout8.xml><?xml version="1.0" encoding="utf-8"?>
+<p:sldLayout xmlns:a="http://schemas.openxmlformats.org/drawingml/2006/main" xmlns:r="http://schemas.openxmlformats.org/officeDocument/2006/relationships" xmlns:p="http://schemas.openxmlformats.org/presentationml/2006/main" userDrawn="1">
+  <p:cSld name="3_两栏内容">
+    <p:spTree>
+      <p:nvGrpSpPr>
+        <p:cNvPr id="1" name=""/>
+        <p:cNvGrpSpPr/>
+        <p:nvPr/>
+      </p:nvGrpSpPr>
+      <p:grpSpPr>
+        <a:xfrm>
+          <a:off x="0" y="0"/>
+          <a:ext cx="0" cy="0"/>
+          <a:chOff x="0" y="0"/>
+          <a:chExt cx="0" cy="0"/>
+        </a:xfrm>
+      </p:grpSpPr>
+      <p:sp>
+        <p:nvSpPr>
+          <p:cNvPr id="2" name="Title 1"/>
+          <p:cNvSpPr>
+            <a:spLocks noGrp="1"/>
+          </p:cNvSpPr>
+          <p:nvPr>
+            <p:ph type="title"/>
+          </p:nvPr>
+        </p:nvSpPr>
+        <p:spPr>
+          <a:xfrm>
+            <a:off x="838200" y="9526"/>
+            <a:ext cx="10515600" cy="752475"/>
+          </a:xfrm>
+        </p:spPr>
+        <p:txBody>
+          <a:bodyPr/>
+          <a:lstStyle/>
+          <a:p>
+            <a:r>
+              <a:rPr lang="zh-CN" altLang="en-US"/>
+              <a:t>单击此处编辑母版标题样式</a:t>
+            </a:r>
+            <a:endParaRPr lang="en-US" dirty="0"/>
+          </a:p>
+        </p:txBody>
+      </p:sp>
+      <p:sp>
+        <p:nvSpPr>
+          <p:cNvPr id="3" name="Content Placeholder 2"/>
+          <p:cNvSpPr>
+            <a:spLocks noGrp="1"/>
+          </p:cNvSpPr>
+          <p:nvPr>
+            <p:ph sz="half" idx="1"/>
+          </p:nvPr>
+        </p:nvSpPr>
+        <p:spPr>
+          <a:xfrm>
+            <a:off x="825501" y="860426"/>
+            <a:ext cx="10629900" cy="5730875"/>
+          </a:xfrm>
+        </p:spPr>
+        <p:txBody>
+          <a:bodyPr/>
+          <a:lstStyle/>
+          <a:p>
+            <a:pPr lvl="0"/>
+            <a:r>
+              <a:rPr lang="zh-CN" altLang="en-US" dirty="0"/>
+              <a:t>单击此处编辑母版文本样式</a:t>
+            </a:r>
+          </a:p>
+          <a:p>
+            <a:pPr lvl="1"/>
+            <a:r>
+              <a:rPr lang="zh-CN" altLang="en-US" dirty="0"/>
+              <a:t>第二级</a:t>
+            </a:r>
+          </a:p>
+          <a:p>
+            <a:pPr lvl="2"/>
+            <a:r>
+              <a:rPr lang="zh-CN" altLang="en-US" dirty="0"/>
+              <a:t>第三级</a:t>
+            </a:r>
+          </a:p>
+          <a:p>
+            <a:pPr lvl="3"/>
+            <a:r>
+              <a:rPr lang="zh-CN" altLang="en-US" dirty="0"/>
+              <a:t>第四级</a:t>
+            </a:r>
+          </a:p>
+          <a:p>
+            <a:pPr lvl="4"/>
+            <a:r>
+              <a:rPr lang="zh-CN" altLang="en-US" dirty="0"/>
+              <a:t>第五级</a:t>
+            </a:r>
+            <a:endParaRPr lang="en-US" dirty="0"/>
+          </a:p>
+        </p:txBody>
+      </p:sp>
+    </p:spTree>
+    <p:extLst>
+      <p:ext uri="{BB962C8B-B14F-4D97-AF65-F5344CB8AC3E}">
+        <p14:creationId xmlns:p14="http://schemas.microsoft.com/office/powerpoint/2010/main" val="3870870239"/>
+      </p:ext>
+    </p:extLst>
+  </p:cSld>
+  <p:clrMapOvr>
+    <a:masterClrMapping/>
+  </p:clrMapOvr>
+  <p:transition>
+    <p:blinds dir="vert"/>
+  </p:transition>
+  <p:timing>
+    <p:tnLst>
+      <p:par>
+        <p:cTn id="1" dur="indefinite" restart="never" nodeType="tmRoot"/>
+      </p:par>
+    </p:tnLst>
+  </p:timing>
 </p:sldLayout>
 </file>
 
@@ -3137,6 +3672,7 @@
     <p:sldLayoutId id="2147483653" r:id="rId5"/>
     <p:sldLayoutId id="2147483654" r:id="rId6"/>
     <p:sldLayoutId id="2147483655" r:id="rId7"/>
+    <p:sldLayoutId id="2147483656" r:id="rId8"/>
   </p:sldLayoutIdLst>
   <p:transition>
     <p:blinds dir="vert"/>
@@ -5199,7 +5735,7 @@
             <p:nvPr/>
           </p:nvPicPr>
           <p:blipFill>
-            <a:blip r:embed="rId2"/>
+            <a:blip r:embed="rId3"/>
             <a:stretch>
               <a:fillRect/>
             </a:stretch>
@@ -5629,7 +6165,7 @@
           <a:lstStyle/>
           <a:p>
             <a:r>
-              <a:rPr lang="zh-CN" altLang="en-US" smtClean="0"/>
+              <a:rPr lang="zh-CN" altLang="en-US" dirty="0" smtClean="0"/>
               <a:t>设计测试用例</a:t>
             </a:r>
             <a:endParaRPr lang="zh-CN" altLang="en-US" dirty="0"/>
@@ -8118,8 +8654,8 @@
           <a:lstStyle/>
           <a:p>
             <a:r>
-              <a:rPr lang="zh-CN" altLang="en-US" smtClean="0"/>
-              <a:t>使用状态图的方式设计测试用例步骤总结</a:t>
+              <a:rPr lang="en-US" altLang="zh-CN" dirty="0" smtClean="0"/>
+              <a:t>Practice</a:t>
             </a:r>
             <a:endParaRPr lang="zh-CN" altLang="en-US" dirty="0"/>
           </a:p>
@@ -8140,31 +8676,103 @@
           <a:bodyPr/>
           <a:lstStyle/>
           <a:p>
+            <a:pPr>
+              <a:lnSpc>
+                <a:spcPct val="130000"/>
+              </a:lnSpc>
+            </a:pPr>
             <a:r>
               <a:rPr lang="zh-CN" altLang="en-US" dirty="0" smtClean="0"/>
-              <a:t>分析需求并建立状态图</a:t>
+              <a:t>依据状态转换测试的方法设计</a:t>
+            </a:r>
+            <a:r>
+              <a:rPr lang="en-US" altLang="zh-CN" dirty="0" smtClean="0"/>
+              <a:t>Media Player</a:t>
+            </a:r>
+            <a:r>
+              <a:rPr lang="zh-CN" altLang="en-US" dirty="0" smtClean="0"/>
+              <a:t>播放器中状态转换的测试用例（作为回顾课程使用，不必提交）</a:t>
             </a:r>
             <a:endParaRPr lang="en-US" altLang="zh-CN" dirty="0" smtClean="0"/>
           </a:p>
           <a:p>
+            <a:pPr>
+              <a:lnSpc>
+                <a:spcPct val="130000"/>
+              </a:lnSpc>
+            </a:pPr>
             <a:r>
               <a:rPr lang="zh-CN" altLang="en-US" dirty="0" smtClean="0"/>
-              <a:t>确定测试强度</a:t>
+              <a:t>依据状态转换测试方法设计</a:t>
+            </a:r>
+            <a:r>
+              <a:rPr lang="en-US" altLang="zh-CN" dirty="0" smtClean="0"/>
+              <a:t>QQ</a:t>
+            </a:r>
+            <a:r>
+              <a:rPr lang="zh-CN" altLang="en-US" dirty="0" smtClean="0"/>
+              <a:t>登录时，</a:t>
+            </a:r>
+            <a:r>
+              <a:rPr lang="en-US" altLang="zh-CN" dirty="0" smtClean="0"/>
+              <a:t>6</a:t>
+            </a:r>
+            <a:r>
+              <a:rPr lang="zh-CN" altLang="en-US" dirty="0" smtClean="0"/>
+              <a:t>种登录状态（在线、隐身</a:t>
+            </a:r>
+            <a:r>
+              <a:rPr lang="en-US" altLang="zh-CN" dirty="0" smtClean="0"/>
+              <a:t>……</a:t>
+            </a:r>
+            <a:r>
+              <a:rPr lang="zh-CN" altLang="en-US" dirty="0" smtClean="0"/>
+              <a:t>），以及登录成功后状态转换的测试用例</a:t>
             </a:r>
             <a:endParaRPr lang="en-US" altLang="zh-CN" dirty="0" smtClean="0"/>
           </a:p>
           <a:p>
+            <a:pPr>
+              <a:lnSpc>
+                <a:spcPct val="130000"/>
+              </a:lnSpc>
+            </a:pPr>
             <a:r>
               <a:rPr lang="zh-CN" altLang="en-US" dirty="0" smtClean="0"/>
-              <a:t>转换成状态树</a:t>
+              <a:t>依据网上预订机票时，机票状态转换过程设计测试用例</a:t>
             </a:r>
             <a:endParaRPr lang="en-US" altLang="zh-CN" dirty="0" smtClean="0"/>
           </a:p>
           <a:p>
+            <a:pPr marL="471170" lvl="1" indent="0">
+              <a:lnSpc>
+                <a:spcPct val="130000"/>
+              </a:lnSpc>
+              <a:buNone/>
+            </a:pPr>
             <a:r>
               <a:rPr lang="zh-CN" altLang="en-US" dirty="0" smtClean="0"/>
-              <a:t>设计测试用例</a:t>
-            </a:r>
+              <a:t>未购买   已预订</a:t>
+            </a:r>
+            <a:r>
+              <a:rPr lang="en-US" altLang="zh-CN" dirty="0" smtClean="0"/>
+              <a:t>  </a:t>
+            </a:r>
+            <a:r>
+              <a:rPr lang="zh-CN" altLang="en-US" dirty="0" smtClean="0"/>
+              <a:t>已付款</a:t>
+            </a:r>
+            <a:r>
+              <a:rPr lang="en-US" altLang="zh-CN" dirty="0" smtClean="0"/>
+              <a:t>     </a:t>
+            </a:r>
+            <a:r>
+              <a:rPr lang="zh-CN" altLang="en-US" dirty="0" smtClean="0"/>
+              <a:t>已退票  已取消</a:t>
+            </a:r>
+            <a:endParaRPr lang="en-US" altLang="zh-CN" dirty="0" smtClean="0"/>
+          </a:p>
+          <a:p>
             <a:endParaRPr lang="zh-CN" altLang="en-US" dirty="0"/>
           </a:p>
         </p:txBody>
@@ -8180,447 +8788,9 @@
   <p:timing>
     <p:tnLst>
       <p:par>
-        <p:cTn id="1" dur="indefinite" restart="never" nodeType="tmRoot">
-          <p:childTnLst>
-            <p:seq concurrent="1" nextAc="seek">
-              <p:cTn id="2" dur="indefinite" nodeType="mainSeq">
-                <p:childTnLst>
-                  <p:par>
-                    <p:cTn id="3" fill="hold">
-                      <p:stCondLst>
-                        <p:cond delay="indefinite"/>
-                      </p:stCondLst>
-                      <p:childTnLst>
-                        <p:par>
-                          <p:cTn id="4" fill="hold">
-                            <p:stCondLst>
-                              <p:cond delay="0"/>
-                            </p:stCondLst>
-                            <p:childTnLst>
-                              <p:par>
-                                <p:cTn id="5" presetID="2" presetClass="entr" presetSubtype="4" fill="hold" grpId="0" nodeType="clickEffect">
-                                  <p:stCondLst>
-                                    <p:cond delay="0"/>
-                                  </p:stCondLst>
-                                  <p:childTnLst>
-                                    <p:set>
-                                      <p:cBhvr>
-                                        <p:cTn id="6" dur="1" fill="hold">
-                                          <p:stCondLst>
-                                            <p:cond delay="0"/>
-                                          </p:stCondLst>
-                                        </p:cTn>
-                                        <p:tgtEl>
-                                          <p:spTgt spid="3">
-                                            <p:txEl>
-                                              <p:pRg st="0" end="0"/>
-                                            </p:txEl>
-                                          </p:spTgt>
-                                        </p:tgtEl>
-                                        <p:attrNameLst>
-                                          <p:attrName>style.visibility</p:attrName>
-                                        </p:attrNameLst>
-                                      </p:cBhvr>
-                                      <p:to>
-                                        <p:strVal val="visible"/>
-                                      </p:to>
-                                    </p:set>
-                                    <p:anim calcmode="lin" valueType="num">
-                                      <p:cBhvr additive="base">
-                                        <p:cTn id="7" dur="500" fill="hold"/>
-                                        <p:tgtEl>
-                                          <p:spTgt spid="3">
-                                            <p:txEl>
-                                              <p:pRg st="0" end="0"/>
-                                            </p:txEl>
-                                          </p:spTgt>
-                                        </p:tgtEl>
-                                        <p:attrNameLst>
-                                          <p:attrName>ppt_x</p:attrName>
-                                        </p:attrNameLst>
-                                      </p:cBhvr>
-                                      <p:tavLst>
-                                        <p:tav tm="0">
-                                          <p:val>
-                                            <p:strVal val="#ppt_x"/>
-                                          </p:val>
-                                        </p:tav>
-                                        <p:tav tm="100000">
-                                          <p:val>
-                                            <p:strVal val="#ppt_x"/>
-                                          </p:val>
-                                        </p:tav>
-                                      </p:tavLst>
-                                    </p:anim>
-                                    <p:anim calcmode="lin" valueType="num">
-                                      <p:cBhvr additive="base">
-                                        <p:cTn id="8" dur="500" fill="hold"/>
-                                        <p:tgtEl>
-                                          <p:spTgt spid="3">
-                                            <p:txEl>
-                                              <p:pRg st="0" end="0"/>
-                                            </p:txEl>
-                                          </p:spTgt>
-                                        </p:tgtEl>
-                                        <p:attrNameLst>
-                                          <p:attrName>ppt_y</p:attrName>
-                                        </p:attrNameLst>
-                                      </p:cBhvr>
-                                      <p:tavLst>
-                                        <p:tav tm="0">
-                                          <p:val>
-                                            <p:strVal val="1+#ppt_h/2"/>
-                                          </p:val>
-                                        </p:tav>
-                                        <p:tav tm="100000">
-                                          <p:val>
-                                            <p:strVal val="#ppt_y"/>
-                                          </p:val>
-                                        </p:tav>
-                                      </p:tavLst>
-                                    </p:anim>
-                                  </p:childTnLst>
-                                </p:cTn>
-                              </p:par>
-                            </p:childTnLst>
-                          </p:cTn>
-                        </p:par>
-                      </p:childTnLst>
-                    </p:cTn>
-                  </p:par>
-                  <p:par>
-                    <p:cTn id="9" fill="hold">
-                      <p:stCondLst>
-                        <p:cond delay="indefinite"/>
-                      </p:stCondLst>
-                      <p:childTnLst>
-                        <p:par>
-                          <p:cTn id="10" fill="hold">
-                            <p:stCondLst>
-                              <p:cond delay="0"/>
-                            </p:stCondLst>
-                            <p:childTnLst>
-                              <p:par>
-                                <p:cTn id="11" presetID="2" presetClass="entr" presetSubtype="4" fill="hold" grpId="0" nodeType="clickEffect">
-                                  <p:stCondLst>
-                                    <p:cond delay="0"/>
-                                  </p:stCondLst>
-                                  <p:childTnLst>
-                                    <p:set>
-                                      <p:cBhvr>
-                                        <p:cTn id="12" dur="1" fill="hold">
-                                          <p:stCondLst>
-                                            <p:cond delay="0"/>
-                                          </p:stCondLst>
-                                        </p:cTn>
-                                        <p:tgtEl>
-                                          <p:spTgt spid="3">
-                                            <p:txEl>
-                                              <p:pRg st="1" end="1"/>
-                                            </p:txEl>
-                                          </p:spTgt>
-                                        </p:tgtEl>
-                                        <p:attrNameLst>
-                                          <p:attrName>style.visibility</p:attrName>
-                                        </p:attrNameLst>
-                                      </p:cBhvr>
-                                      <p:to>
-                                        <p:strVal val="visible"/>
-                                      </p:to>
-                                    </p:set>
-                                    <p:anim calcmode="lin" valueType="num">
-                                      <p:cBhvr additive="base">
-                                        <p:cTn id="13" dur="500" fill="hold"/>
-                                        <p:tgtEl>
-                                          <p:spTgt spid="3">
-                                            <p:txEl>
-                                              <p:pRg st="1" end="1"/>
-                                            </p:txEl>
-                                          </p:spTgt>
-                                        </p:tgtEl>
-                                        <p:attrNameLst>
-                                          <p:attrName>ppt_x</p:attrName>
-                                        </p:attrNameLst>
-                                      </p:cBhvr>
-                                      <p:tavLst>
-                                        <p:tav tm="0">
-                                          <p:val>
-                                            <p:strVal val="#ppt_x"/>
-                                          </p:val>
-                                        </p:tav>
-                                        <p:tav tm="100000">
-                                          <p:val>
-                                            <p:strVal val="#ppt_x"/>
-                                          </p:val>
-                                        </p:tav>
-                                      </p:tavLst>
-                                    </p:anim>
-                                    <p:anim calcmode="lin" valueType="num">
-                                      <p:cBhvr additive="base">
-                                        <p:cTn id="14" dur="500" fill="hold"/>
-                                        <p:tgtEl>
-                                          <p:spTgt spid="3">
-                                            <p:txEl>
-                                              <p:pRg st="1" end="1"/>
-                                            </p:txEl>
-                                          </p:spTgt>
-                                        </p:tgtEl>
-                                        <p:attrNameLst>
-                                          <p:attrName>ppt_y</p:attrName>
-                                        </p:attrNameLst>
-                                      </p:cBhvr>
-                                      <p:tavLst>
-                                        <p:tav tm="0">
-                                          <p:val>
-                                            <p:strVal val="1+#ppt_h/2"/>
-                                          </p:val>
-                                        </p:tav>
-                                        <p:tav tm="100000">
-                                          <p:val>
-                                            <p:strVal val="#ppt_y"/>
-                                          </p:val>
-                                        </p:tav>
-                                      </p:tavLst>
-                                    </p:anim>
-                                  </p:childTnLst>
-                                </p:cTn>
-                              </p:par>
-                            </p:childTnLst>
-                          </p:cTn>
-                        </p:par>
-                      </p:childTnLst>
-                    </p:cTn>
-                  </p:par>
-                  <p:par>
-                    <p:cTn id="15" fill="hold">
-                      <p:stCondLst>
-                        <p:cond delay="indefinite"/>
-                      </p:stCondLst>
-                      <p:childTnLst>
-                        <p:par>
-                          <p:cTn id="16" fill="hold">
-                            <p:stCondLst>
-                              <p:cond delay="0"/>
-                            </p:stCondLst>
-                            <p:childTnLst>
-                              <p:par>
-                                <p:cTn id="17" presetID="2" presetClass="entr" presetSubtype="4" fill="hold" grpId="0" nodeType="clickEffect">
-                                  <p:stCondLst>
-                                    <p:cond delay="0"/>
-                                  </p:stCondLst>
-                                  <p:childTnLst>
-                                    <p:set>
-                                      <p:cBhvr>
-                                        <p:cTn id="18" dur="1" fill="hold">
-                                          <p:stCondLst>
-                                            <p:cond delay="0"/>
-                                          </p:stCondLst>
-                                        </p:cTn>
-                                        <p:tgtEl>
-                                          <p:spTgt spid="3">
-                                            <p:txEl>
-                                              <p:pRg st="2" end="2"/>
-                                            </p:txEl>
-                                          </p:spTgt>
-                                        </p:tgtEl>
-                                        <p:attrNameLst>
-                                          <p:attrName>style.visibility</p:attrName>
-                                        </p:attrNameLst>
-                                      </p:cBhvr>
-                                      <p:to>
-                                        <p:strVal val="visible"/>
-                                      </p:to>
-                                    </p:set>
-                                    <p:anim calcmode="lin" valueType="num">
-                                      <p:cBhvr additive="base">
-                                        <p:cTn id="19" dur="500" fill="hold"/>
-                                        <p:tgtEl>
-                                          <p:spTgt spid="3">
-                                            <p:txEl>
-                                              <p:pRg st="2" end="2"/>
-                                            </p:txEl>
-                                          </p:spTgt>
-                                        </p:tgtEl>
-                                        <p:attrNameLst>
-                                          <p:attrName>ppt_x</p:attrName>
-                                        </p:attrNameLst>
-                                      </p:cBhvr>
-                                      <p:tavLst>
-                                        <p:tav tm="0">
-                                          <p:val>
-                                            <p:strVal val="#ppt_x"/>
-                                          </p:val>
-                                        </p:tav>
-                                        <p:tav tm="100000">
-                                          <p:val>
-                                            <p:strVal val="#ppt_x"/>
-                                          </p:val>
-                                        </p:tav>
-                                      </p:tavLst>
-                                    </p:anim>
-                                    <p:anim calcmode="lin" valueType="num">
-                                      <p:cBhvr additive="base">
-                                        <p:cTn id="20" dur="500" fill="hold"/>
-                                        <p:tgtEl>
-                                          <p:spTgt spid="3">
-                                            <p:txEl>
-                                              <p:pRg st="2" end="2"/>
-                                            </p:txEl>
-                                          </p:spTgt>
-                                        </p:tgtEl>
-                                        <p:attrNameLst>
-                                          <p:attrName>ppt_y</p:attrName>
-                                        </p:attrNameLst>
-                                      </p:cBhvr>
-                                      <p:tavLst>
-                                        <p:tav tm="0">
-                                          <p:val>
-                                            <p:strVal val="1+#ppt_h/2"/>
-                                          </p:val>
-                                        </p:tav>
-                                        <p:tav tm="100000">
-                                          <p:val>
-                                            <p:strVal val="#ppt_y"/>
-                                          </p:val>
-                                        </p:tav>
-                                      </p:tavLst>
-                                    </p:anim>
-                                  </p:childTnLst>
-                                </p:cTn>
-                              </p:par>
-                            </p:childTnLst>
-                          </p:cTn>
-                        </p:par>
-                      </p:childTnLst>
-                    </p:cTn>
-                  </p:par>
-                  <p:par>
-                    <p:cTn id="21" fill="hold">
-                      <p:stCondLst>
-                        <p:cond delay="indefinite"/>
-                      </p:stCondLst>
-                      <p:childTnLst>
-                        <p:par>
-                          <p:cTn id="22" fill="hold">
-                            <p:stCondLst>
-                              <p:cond delay="0"/>
-                            </p:stCondLst>
-                            <p:childTnLst>
-                              <p:par>
-                                <p:cTn id="23" presetID="2" presetClass="entr" presetSubtype="4" fill="hold" grpId="0" nodeType="clickEffect">
-                                  <p:stCondLst>
-                                    <p:cond delay="0"/>
-                                  </p:stCondLst>
-                                  <p:childTnLst>
-                                    <p:set>
-                                      <p:cBhvr>
-                                        <p:cTn id="24" dur="1" fill="hold">
-                                          <p:stCondLst>
-                                            <p:cond delay="0"/>
-                                          </p:stCondLst>
-                                        </p:cTn>
-                                        <p:tgtEl>
-                                          <p:spTgt spid="3">
-                                            <p:txEl>
-                                              <p:pRg st="3" end="3"/>
-                                            </p:txEl>
-                                          </p:spTgt>
-                                        </p:tgtEl>
-                                        <p:attrNameLst>
-                                          <p:attrName>style.visibility</p:attrName>
-                                        </p:attrNameLst>
-                                      </p:cBhvr>
-                                      <p:to>
-                                        <p:strVal val="visible"/>
-                                      </p:to>
-                                    </p:set>
-                                    <p:anim calcmode="lin" valueType="num">
-                                      <p:cBhvr additive="base">
-                                        <p:cTn id="25" dur="500" fill="hold"/>
-                                        <p:tgtEl>
-                                          <p:spTgt spid="3">
-                                            <p:txEl>
-                                              <p:pRg st="3" end="3"/>
-                                            </p:txEl>
-                                          </p:spTgt>
-                                        </p:tgtEl>
-                                        <p:attrNameLst>
-                                          <p:attrName>ppt_x</p:attrName>
-                                        </p:attrNameLst>
-                                      </p:cBhvr>
-                                      <p:tavLst>
-                                        <p:tav tm="0">
-                                          <p:val>
-                                            <p:strVal val="#ppt_x"/>
-                                          </p:val>
-                                        </p:tav>
-                                        <p:tav tm="100000">
-                                          <p:val>
-                                            <p:strVal val="#ppt_x"/>
-                                          </p:val>
-                                        </p:tav>
-                                      </p:tavLst>
-                                    </p:anim>
-                                    <p:anim calcmode="lin" valueType="num">
-                                      <p:cBhvr additive="base">
-                                        <p:cTn id="26" dur="500" fill="hold"/>
-                                        <p:tgtEl>
-                                          <p:spTgt spid="3">
-                                            <p:txEl>
-                                              <p:pRg st="3" end="3"/>
-                                            </p:txEl>
-                                          </p:spTgt>
-                                        </p:tgtEl>
-                                        <p:attrNameLst>
-                                          <p:attrName>ppt_y</p:attrName>
-                                        </p:attrNameLst>
-                                      </p:cBhvr>
-                                      <p:tavLst>
-                                        <p:tav tm="0">
-                                          <p:val>
-                                            <p:strVal val="1+#ppt_h/2"/>
-                                          </p:val>
-                                        </p:tav>
-                                        <p:tav tm="100000">
-                                          <p:val>
-                                            <p:strVal val="#ppt_y"/>
-                                          </p:val>
-                                        </p:tav>
-                                      </p:tavLst>
-                                    </p:anim>
-                                  </p:childTnLst>
-                                </p:cTn>
-                              </p:par>
-                            </p:childTnLst>
-                          </p:cTn>
-                        </p:par>
-                      </p:childTnLst>
-                    </p:cTn>
-                  </p:par>
-                </p:childTnLst>
-              </p:cTn>
-              <p:prevCondLst>
-                <p:cond evt="onPrev" delay="0">
-                  <p:tgtEl>
-                    <p:sldTgt/>
-                  </p:tgtEl>
-                </p:cond>
-              </p:prevCondLst>
-              <p:nextCondLst>
-                <p:cond evt="onNext" delay="0">
-                  <p:tgtEl>
-                    <p:sldTgt/>
-                  </p:tgtEl>
-                </p:cond>
-              </p:nextCondLst>
-            </p:seq>
-          </p:childTnLst>
-        </p:cTn>
+        <p:cTn id="1" dur="indefinite" restart="never" nodeType="tmRoot"/>
       </p:par>
     </p:tnLst>
-    <p:bldLst>
-      <p:bldP spid="3" grpId="0" build="p"/>
-    </p:bldLst>
   </p:timing>
 </p:sld>
 </file>
@@ -8658,7 +8828,7 @@
           <a:lstStyle/>
           <a:p>
             <a:r>
-              <a:rPr lang="en-US" altLang="zh-CN" smtClean="0"/>
+              <a:rPr lang="en-US" altLang="zh-CN" dirty="0"/>
               <a:t>Practice</a:t>
             </a:r>
             <a:endParaRPr lang="zh-CN" altLang="en-US" dirty="0"/>
@@ -8675,376 +8845,7 @@
             <p:ph idx="1"/>
           </p:nvPr>
         </p:nvSpPr>
-        <p:spPr>
-          <a:xfrm>
-            <a:off x="623392" y="1196752"/>
-            <a:ext cx="11067082" cy="4267200"/>
-          </a:xfrm>
-        </p:spPr>
-        <p:txBody>
-          <a:bodyPr/>
-          <a:lstStyle/>
-          <a:p>
-            <a:r>
-              <a:rPr lang="zh-CN" altLang="en-US" dirty="0" smtClean="0"/>
-              <a:t>依据雪梨教育平台判图片作业的图片查看器涉及状态转换的部分，使用状态转换方法测试测试用例，包括对数字的检查</a:t>
-            </a:r>
-            <a:endParaRPr lang="en-US" altLang="zh-CN" dirty="0" smtClean="0"/>
-          </a:p>
-          <a:p>
-            <a:endParaRPr lang="en-US" altLang="zh-CN" dirty="0" smtClean="0"/>
-          </a:p>
-          <a:p>
-            <a:pPr lvl="1"/>
-            <a:endParaRPr lang="en-US" altLang="zh-CN" dirty="0" smtClean="0"/>
-          </a:p>
-        </p:txBody>
-      </p:sp>
-      <p:pic>
-        <p:nvPicPr>
-          <p:cNvPr id="6" name="图片 5"/>
-          <p:cNvPicPr>
-            <a:picLocks noChangeAspect="1"/>
-          </p:cNvPicPr>
-          <p:nvPr/>
-        </p:nvPicPr>
-        <p:blipFill>
-          <a:blip r:embed="rId2"/>
-          <a:stretch>
-            <a:fillRect/>
-          </a:stretch>
-        </p:blipFill>
-        <p:spPr>
-          <a:xfrm>
-            <a:off x="2226367" y="2596633"/>
-            <a:ext cx="6461921" cy="3446358"/>
-          </a:xfrm>
-          <a:prstGeom prst="rect">
-            <a:avLst/>
-          </a:prstGeom>
-        </p:spPr>
-      </p:pic>
-    </p:spTree>
-  </p:cSld>
-  <p:clrMapOvr>
-    <a:masterClrMapping/>
-  </p:clrMapOvr>
-  <p:transition>
-    <p:blinds dir="vert"/>
-  </p:transition>
-  <p:timing>
-    <p:tnLst>
-      <p:par>
-        <p:cTn id="1" dur="indefinite" restart="never" nodeType="tmRoot">
-          <p:childTnLst>
-            <p:seq concurrent="1" nextAc="seek">
-              <p:cTn id="2" dur="indefinite" nodeType="mainSeq">
-                <p:childTnLst>
-                  <p:par>
-                    <p:cTn id="3" fill="hold">
-                      <p:stCondLst>
-                        <p:cond delay="indefinite"/>
-                      </p:stCondLst>
-                      <p:childTnLst>
-                        <p:par>
-                          <p:cTn id="4" fill="hold">
-                            <p:stCondLst>
-                              <p:cond delay="0"/>
-                            </p:stCondLst>
-                            <p:childTnLst>
-                              <p:par>
-                                <p:cTn id="5" presetID="2" presetClass="entr" presetSubtype="4" fill="hold" grpId="0" nodeType="clickEffect">
-                                  <p:stCondLst>
-                                    <p:cond delay="0"/>
-                                  </p:stCondLst>
-                                  <p:childTnLst>
-                                    <p:set>
-                                      <p:cBhvr>
-                                        <p:cTn id="6" dur="1" fill="hold">
-                                          <p:stCondLst>
-                                            <p:cond delay="0"/>
-                                          </p:stCondLst>
-                                        </p:cTn>
-                                        <p:tgtEl>
-                                          <p:spTgt spid="3">
-                                            <p:txEl>
-                                              <p:pRg st="0" end="0"/>
-                                            </p:txEl>
-                                          </p:spTgt>
-                                        </p:tgtEl>
-                                        <p:attrNameLst>
-                                          <p:attrName>style.visibility</p:attrName>
-                                        </p:attrNameLst>
-                                      </p:cBhvr>
-                                      <p:to>
-                                        <p:strVal val="visible"/>
-                                      </p:to>
-                                    </p:set>
-                                    <p:anim calcmode="lin" valueType="num">
-                                      <p:cBhvr additive="base">
-                                        <p:cTn id="7" dur="500" fill="hold"/>
-                                        <p:tgtEl>
-                                          <p:spTgt spid="3">
-                                            <p:txEl>
-                                              <p:pRg st="0" end="0"/>
-                                            </p:txEl>
-                                          </p:spTgt>
-                                        </p:tgtEl>
-                                        <p:attrNameLst>
-                                          <p:attrName>ppt_x</p:attrName>
-                                        </p:attrNameLst>
-                                      </p:cBhvr>
-                                      <p:tavLst>
-                                        <p:tav tm="0">
-                                          <p:val>
-                                            <p:strVal val="#ppt_x"/>
-                                          </p:val>
-                                        </p:tav>
-                                        <p:tav tm="100000">
-                                          <p:val>
-                                            <p:strVal val="#ppt_x"/>
-                                          </p:val>
-                                        </p:tav>
-                                      </p:tavLst>
-                                    </p:anim>
-                                    <p:anim calcmode="lin" valueType="num">
-                                      <p:cBhvr additive="base">
-                                        <p:cTn id="8" dur="500" fill="hold"/>
-                                        <p:tgtEl>
-                                          <p:spTgt spid="3">
-                                            <p:txEl>
-                                              <p:pRg st="0" end="0"/>
-                                            </p:txEl>
-                                          </p:spTgt>
-                                        </p:tgtEl>
-                                        <p:attrNameLst>
-                                          <p:attrName>ppt_y</p:attrName>
-                                        </p:attrNameLst>
-                                      </p:cBhvr>
-                                      <p:tavLst>
-                                        <p:tav tm="0">
-                                          <p:val>
-                                            <p:strVal val="1+#ppt_h/2"/>
-                                          </p:val>
-                                        </p:tav>
-                                        <p:tav tm="100000">
-                                          <p:val>
-                                            <p:strVal val="#ppt_y"/>
-                                          </p:val>
-                                        </p:tav>
-                                      </p:tavLst>
-                                    </p:anim>
-                                  </p:childTnLst>
-                                </p:cTn>
-                              </p:par>
-                            </p:childTnLst>
-                          </p:cTn>
-                        </p:par>
-                      </p:childTnLst>
-                    </p:cTn>
-                  </p:par>
-                  <p:par>
-                    <p:cTn id="9" fill="hold">
-                      <p:stCondLst>
-                        <p:cond delay="indefinite"/>
-                      </p:stCondLst>
-                      <p:childTnLst>
-                        <p:par>
-                          <p:cTn id="10" fill="hold">
-                            <p:stCondLst>
-                              <p:cond delay="0"/>
-                            </p:stCondLst>
-                            <p:childTnLst>
-                              <p:par>
-                                <p:cTn id="11" presetID="2" presetClass="entr" presetSubtype="12" fill="hold" nodeType="clickEffect">
-                                  <p:stCondLst>
-                                    <p:cond delay="0"/>
-                                  </p:stCondLst>
-                                  <p:childTnLst>
-                                    <p:set>
-                                      <p:cBhvr>
-                                        <p:cTn id="12" dur="1" fill="hold">
-                                          <p:stCondLst>
-                                            <p:cond delay="0"/>
-                                          </p:stCondLst>
-                                        </p:cTn>
-                                        <p:tgtEl>
-                                          <p:spTgt spid="6"/>
-                                        </p:tgtEl>
-                                        <p:attrNameLst>
-                                          <p:attrName>style.visibility</p:attrName>
-                                        </p:attrNameLst>
-                                      </p:cBhvr>
-                                      <p:to>
-                                        <p:strVal val="visible"/>
-                                      </p:to>
-                                    </p:set>
-                                    <p:anim calcmode="lin" valueType="num">
-                                      <p:cBhvr additive="base">
-                                        <p:cTn id="13" dur="500" fill="hold"/>
-                                        <p:tgtEl>
-                                          <p:spTgt spid="6"/>
-                                        </p:tgtEl>
-                                        <p:attrNameLst>
-                                          <p:attrName>ppt_x</p:attrName>
-                                        </p:attrNameLst>
-                                      </p:cBhvr>
-                                      <p:tavLst>
-                                        <p:tav tm="0">
-                                          <p:val>
-                                            <p:strVal val="0-#ppt_w/2"/>
-                                          </p:val>
-                                        </p:tav>
-                                        <p:tav tm="100000">
-                                          <p:val>
-                                            <p:strVal val="#ppt_x"/>
-                                          </p:val>
-                                        </p:tav>
-                                      </p:tavLst>
-                                    </p:anim>
-                                    <p:anim calcmode="lin" valueType="num">
-                                      <p:cBhvr additive="base">
-                                        <p:cTn id="14" dur="500" fill="hold"/>
-                                        <p:tgtEl>
-                                          <p:spTgt spid="6"/>
-                                        </p:tgtEl>
-                                        <p:attrNameLst>
-                                          <p:attrName>ppt_y</p:attrName>
-                                        </p:attrNameLst>
-                                      </p:cBhvr>
-                                      <p:tavLst>
-                                        <p:tav tm="0">
-                                          <p:val>
-                                            <p:strVal val="1+#ppt_h/2"/>
-                                          </p:val>
-                                        </p:tav>
-                                        <p:tav tm="100000">
-                                          <p:val>
-                                            <p:strVal val="#ppt_y"/>
-                                          </p:val>
-                                        </p:tav>
-                                      </p:tavLst>
-                                    </p:anim>
-                                  </p:childTnLst>
-                                </p:cTn>
-                              </p:par>
-                            </p:childTnLst>
-                          </p:cTn>
-                        </p:par>
-                      </p:childTnLst>
-                    </p:cTn>
-                  </p:par>
-                </p:childTnLst>
-              </p:cTn>
-              <p:prevCondLst>
-                <p:cond evt="onPrev" delay="0">
-                  <p:tgtEl>
-                    <p:sldTgt/>
-                  </p:tgtEl>
-                </p:cond>
-              </p:prevCondLst>
-              <p:nextCondLst>
-                <p:cond evt="onNext" delay="0">
-                  <p:tgtEl>
-                    <p:sldTgt/>
-                  </p:tgtEl>
-                </p:cond>
-              </p:nextCondLst>
-            </p:seq>
-          </p:childTnLst>
-        </p:cTn>
-      </p:par>
-    </p:tnLst>
-    <p:bldLst>
-      <p:bldP spid="3" grpId="0" build="p"/>
-    </p:bldLst>
-  </p:timing>
-</p:sld>
-</file>
-
-<file path=ppt/slides/slide18.xml><?xml version="1.0" encoding="utf-8"?>
-<p:sld xmlns:a="http://schemas.openxmlformats.org/drawingml/2006/main" xmlns:r="http://schemas.openxmlformats.org/officeDocument/2006/relationships" xmlns:p="http://schemas.openxmlformats.org/presentationml/2006/main" show="0">
-  <p:cSld>
-    <p:spTree>
-      <p:nvGrpSpPr>
-        <p:cNvPr id="1" name=""/>
-        <p:cNvGrpSpPr/>
-        <p:nvPr/>
-      </p:nvGrpSpPr>
-      <p:grpSpPr>
-        <a:xfrm>
-          <a:off x="0" y="0"/>
-          <a:ext cx="0" cy="0"/>
-          <a:chOff x="0" y="0"/>
-          <a:chExt cx="0" cy="0"/>
-        </a:xfrm>
-      </p:grpSpPr>
-      <p:sp>
-        <p:nvSpPr>
-          <p:cNvPr id="2" name="标题 1"/>
-          <p:cNvSpPr>
-            <a:spLocks noGrp="1"/>
-          </p:cNvSpPr>
-          <p:nvPr>
-            <p:ph type="title"/>
-          </p:nvPr>
-        </p:nvSpPr>
-        <p:spPr>
-          <a:xfrm>
-            <a:off x="695400" y="-163289"/>
-            <a:ext cx="10668000" cy="1216025"/>
-          </a:xfrm>
-        </p:spPr>
-        <p:txBody>
-          <a:bodyPr/>
-          <a:lstStyle/>
-          <a:p>
-            <a:r>
-              <a:rPr lang="en-US" altLang="zh-CN" dirty="0" smtClean="0"/>
-              <a:t/>
-            </a:r>
-            <a:br>
-              <a:rPr lang="en-US" altLang="zh-CN" dirty="0" smtClean="0"/>
-            </a:br>
-            <a:r>
-              <a:rPr lang="en-US" altLang="zh-CN" dirty="0" smtClean="0"/>
-              <a:t/>
-            </a:r>
-            <a:br>
-              <a:rPr lang="en-US" altLang="zh-CN" dirty="0" smtClean="0"/>
-            </a:br>
-            <a:r>
-              <a:rPr lang="zh-CN" altLang="en-US" dirty="0" smtClean="0"/>
-              <a:t>美国航天局（</a:t>
-            </a:r>
-            <a:r>
-              <a:rPr lang="en-US" altLang="zh-CN" dirty="0" smtClean="0"/>
-              <a:t>NASA</a:t>
-            </a:r>
-            <a:r>
-              <a:rPr lang="zh-CN" altLang="en-US" dirty="0" smtClean="0"/>
-              <a:t>）火星极地着陆</a:t>
-            </a:r>
-            <a:endParaRPr lang="zh-CN" altLang="en-US" dirty="0"/>
-          </a:p>
-        </p:txBody>
-      </p:sp>
-      <p:sp>
-        <p:nvSpPr>
-          <p:cNvPr id="3" name="内容占位符 2"/>
-          <p:cNvSpPr>
-            <a:spLocks noGrp="1"/>
-          </p:cNvSpPr>
-          <p:nvPr>
-            <p:ph idx="1"/>
-          </p:nvPr>
-        </p:nvSpPr>
-        <p:spPr>
-          <a:xfrm>
-            <a:off x="717551" y="1268760"/>
-            <a:ext cx="10668000" cy="4267200"/>
-          </a:xfrm>
-        </p:spPr>
+        <p:spPr/>
         <p:txBody>
           <a:bodyPr/>
           <a:lstStyle/>
@@ -9055,41 +8856,18 @@
               </a:lnSpc>
             </a:pPr>
             <a:r>
-              <a:rPr lang="en-US" altLang="zh-CN" dirty="0" smtClean="0"/>
-              <a:t>1999</a:t>
-            </a:r>
-            <a:r>
-              <a:rPr lang="zh-CN" altLang="en-US" dirty="0" smtClean="0"/>
-              <a:t>年</a:t>
-            </a:r>
-            <a:r>
-              <a:rPr lang="en-US" altLang="zh-CN" dirty="0" smtClean="0"/>
-              <a:t>12</a:t>
-            </a:r>
-            <a:r>
-              <a:rPr lang="zh-CN" altLang="en-US" dirty="0" smtClean="0"/>
-              <a:t>月</a:t>
-            </a:r>
-            <a:r>
-              <a:rPr lang="en-US" altLang="zh-CN" dirty="0" smtClean="0"/>
-              <a:t>3</a:t>
-            </a:r>
-            <a:r>
-              <a:rPr lang="zh-CN" altLang="en-US" dirty="0" smtClean="0"/>
-              <a:t>日，美国航天局的火星极地登陆飞船在试图登录火星表面时失踪。在设计中，飞船的脚上装了一个触点开关，当飞船的脚着地时，触发开关，通过计算机中设置的一个数据位来关掉燃料。然而，在飞船的脚张开时，由于震动，开关被触发，并通过数据位关掉燃料</a:t>
-            </a:r>
-            <a:endParaRPr lang="en-US" altLang="zh-CN" dirty="0" smtClean="0"/>
-          </a:p>
-          <a:p>
-            <a:pPr>
-              <a:lnSpc>
-                <a:spcPct val="130000"/>
-              </a:lnSpc>
-            </a:pPr>
-            <a:r>
-              <a:rPr lang="zh-CN" altLang="en-US" dirty="0" smtClean="0"/>
-              <a:t>原因：其中一个小组测试飞船的脚落地过程，并不注意着地数据位是否置位，另一个小组测试此后的着陆过程，他们每次测试前都要重置计算机、清除数据位</a:t>
-            </a:r>
+              <a:rPr lang="zh-CN" altLang="en-US" dirty="0"/>
+              <a:t>根据状态转换设计测试用例的方法理解计算器使用不同进制数计算功能测试方法</a:t>
+            </a:r>
+            <a:endParaRPr lang="en-US" altLang="zh-CN" dirty="0"/>
+          </a:p>
+          <a:p>
+            <a:r>
+              <a:rPr lang="zh-CN" altLang="en-US" dirty="0"/>
+              <a:t>根据状态转换设计测试用例的方法理解记事本文件关闭、打开、浏览、编辑、保存等状态转换的测试用例</a:t>
+            </a:r>
+          </a:p>
+          <a:p>
             <a:endParaRPr lang="zh-CN" altLang="en-US" dirty="0"/>
           </a:p>
         </p:txBody>
@@ -9105,140 +8883,14 @@
   <p:timing>
     <p:tnLst>
       <p:par>
-        <p:cTn id="1" dur="indefinite" restart="never" nodeType="tmRoot">
-          <p:childTnLst>
-            <p:seq concurrent="1" nextAc="seek">
-              <p:cTn id="2" dur="indefinite" nodeType="mainSeq">
-                <p:childTnLst>
-                  <p:par>
-                    <p:cTn id="3" fill="hold">
-                      <p:stCondLst>
-                        <p:cond delay="indefinite"/>
-                      </p:stCondLst>
-                      <p:childTnLst>
-                        <p:par>
-                          <p:cTn id="4" fill="hold">
-                            <p:stCondLst>
-                              <p:cond delay="0"/>
-                            </p:stCondLst>
-                            <p:childTnLst>
-                              <p:par>
-                                <p:cTn id="5" presetID="2" presetClass="entr" presetSubtype="4" fill="hold" nodeType="clickEffect">
-                                  <p:stCondLst>
-                                    <p:cond delay="0"/>
-                                  </p:stCondLst>
-                                  <p:childTnLst>
-                                    <p:set>
-                                      <p:cBhvr>
-                                        <p:cTn id="6" dur="1" fill="hold">
-                                          <p:stCondLst>
-                                            <p:cond delay="0"/>
-                                          </p:stCondLst>
-                                        </p:cTn>
-                                        <p:tgtEl>
-                                          <p:spTgt spid="3">
-                                            <p:txEl>
-                                              <p:pRg st="1" end="1"/>
-                                            </p:txEl>
-                                          </p:spTgt>
-                                        </p:tgtEl>
-                                        <p:attrNameLst>
-                                          <p:attrName>style.visibility</p:attrName>
-                                        </p:attrNameLst>
-                                      </p:cBhvr>
-                                      <p:to>
-                                        <p:strVal val="visible"/>
-                                      </p:to>
-                                    </p:set>
-                                    <p:anim calcmode="lin" valueType="num">
-                                      <p:cBhvr additive="base">
-                                        <p:cTn id="7" dur="500" fill="hold"/>
-                                        <p:tgtEl>
-                                          <p:spTgt spid="3">
-                                            <p:txEl>
-                                              <p:pRg st="1" end="1"/>
-                                            </p:txEl>
-                                          </p:spTgt>
-                                        </p:tgtEl>
-                                        <p:attrNameLst>
-                                          <p:attrName>ppt_x</p:attrName>
-                                        </p:attrNameLst>
-                                      </p:cBhvr>
-                                      <p:tavLst>
-                                        <p:tav tm="0">
-                                          <p:val>
-                                            <p:strVal val="#ppt_x"/>
-                                          </p:val>
-                                        </p:tav>
-                                        <p:tav tm="100000">
-                                          <p:val>
-                                            <p:strVal val="#ppt_x"/>
-                                          </p:val>
-                                        </p:tav>
-                                      </p:tavLst>
-                                    </p:anim>
-                                    <p:anim calcmode="lin" valueType="num">
-                                      <p:cBhvr additive="base">
-                                        <p:cTn id="8" dur="500" fill="hold"/>
-                                        <p:tgtEl>
-                                          <p:spTgt spid="3">
-                                            <p:txEl>
-                                              <p:pRg st="1" end="1"/>
-                                            </p:txEl>
-                                          </p:spTgt>
-                                        </p:tgtEl>
-                                        <p:attrNameLst>
-                                          <p:attrName>ppt_y</p:attrName>
-                                        </p:attrNameLst>
-                                      </p:cBhvr>
-                                      <p:tavLst>
-                                        <p:tav tm="0">
-                                          <p:val>
-                                            <p:strVal val="1+#ppt_h/2"/>
-                                          </p:val>
-                                        </p:tav>
-                                        <p:tav tm="100000">
-                                          <p:val>
-                                            <p:strVal val="#ppt_y"/>
-                                          </p:val>
-                                        </p:tav>
-                                      </p:tavLst>
-                                    </p:anim>
-                                  </p:childTnLst>
-                                </p:cTn>
-                              </p:par>
-                            </p:childTnLst>
-                          </p:cTn>
-                        </p:par>
-                      </p:childTnLst>
-                    </p:cTn>
-                  </p:par>
-                </p:childTnLst>
-              </p:cTn>
-              <p:prevCondLst>
-                <p:cond evt="onPrev" delay="0">
-                  <p:tgtEl>
-                    <p:sldTgt/>
-                  </p:tgtEl>
-                </p:cond>
-              </p:prevCondLst>
-              <p:nextCondLst>
-                <p:cond evt="onNext" delay="0">
-                  <p:tgtEl>
-                    <p:sldTgt/>
-                  </p:tgtEl>
-                </p:cond>
-              </p:nextCondLst>
-            </p:seq>
-          </p:childTnLst>
-        </p:cTn>
+        <p:cTn id="1" dur="indefinite" restart="never" nodeType="tmRoot"/>
       </p:par>
     </p:tnLst>
   </p:timing>
 </p:sld>
 </file>
 
-<file path=ppt/slides/slide19.xml><?xml version="1.0" encoding="utf-8"?>
+<file path=ppt/slides/slide18.xml><?xml version="1.0" encoding="utf-8"?>
 <p:sld xmlns:a="http://schemas.openxmlformats.org/drawingml/2006/main" xmlns:r="http://schemas.openxmlformats.org/officeDocument/2006/relationships" xmlns:p="http://schemas.openxmlformats.org/presentationml/2006/main">
   <p:cSld>
     <p:spTree>
@@ -9271,8 +8923,8 @@
           <a:lstStyle/>
           <a:p>
             <a:r>
-              <a:rPr lang="en-US" altLang="zh-CN" dirty="0" smtClean="0"/>
-              <a:t>Practice</a:t>
+              <a:rPr lang="zh-CN" altLang="en-US" dirty="0" smtClean="0"/>
+              <a:t>总结</a:t>
             </a:r>
             <a:endParaRPr lang="zh-CN" altLang="en-US" dirty="0"/>
           </a:p>
@@ -9293,102 +8945,44 @@
           <a:bodyPr/>
           <a:lstStyle/>
           <a:p>
-            <a:pPr>
-              <a:lnSpc>
-                <a:spcPct val="130000"/>
-              </a:lnSpc>
-            </a:pPr>
             <a:r>
               <a:rPr lang="zh-CN" altLang="en-US" dirty="0" smtClean="0"/>
-              <a:t>依据状态转换测试的方法设计</a:t>
-            </a:r>
-            <a:r>
-              <a:rPr lang="en-US" altLang="zh-CN" dirty="0" smtClean="0"/>
-              <a:t>Media Player</a:t>
-            </a:r>
+              <a:t>什么是状态转换法</a:t>
+            </a:r>
+            <a:endParaRPr lang="en-US" altLang="zh-CN" dirty="0" smtClean="0"/>
+          </a:p>
+          <a:p>
             <a:r>
               <a:rPr lang="zh-CN" altLang="en-US" dirty="0" smtClean="0"/>
-              <a:t>播放器中状态转换的测试用例（作为回顾课程使用，不必提交）</a:t>
+              <a:t>状态转换法如何使用</a:t>
             </a:r>
             <a:endParaRPr lang="en-US" altLang="zh-CN" dirty="0" smtClean="0"/>
           </a:p>
           <a:p>
-            <a:pPr>
-              <a:lnSpc>
-                <a:spcPct val="130000"/>
-              </a:lnSpc>
-            </a:pPr>
+            <a:pPr lvl="1"/>
             <a:r>
               <a:rPr lang="zh-CN" altLang="en-US" dirty="0" smtClean="0"/>
-              <a:t>依据状态转换测试方法设计</a:t>
-            </a:r>
-            <a:r>
-              <a:rPr lang="en-US" altLang="zh-CN" dirty="0" smtClean="0"/>
-              <a:t>QQ</a:t>
+              <a:t>建立状态转换图（树）</a:t>
+            </a:r>
+            <a:endParaRPr lang="en-US" altLang="zh-CN" dirty="0" smtClean="0"/>
+          </a:p>
+          <a:p>
+            <a:pPr lvl="1"/>
+            <a:r>
+              <a:rPr lang="zh-CN" altLang="en-US" dirty="0"/>
+              <a:t>转</a:t>
             </a:r>
             <a:r>
               <a:rPr lang="zh-CN" altLang="en-US" dirty="0" smtClean="0"/>
-              <a:t>登录时，</a:t>
-            </a:r>
-            <a:r>
-              <a:rPr lang="en-US" altLang="zh-CN" dirty="0" smtClean="0"/>
-              <a:t>6</a:t>
-            </a:r>
+              <a:t>成测试用例</a:t>
+            </a:r>
+            <a:endParaRPr lang="en-US" altLang="zh-CN" dirty="0" smtClean="0"/>
+          </a:p>
+          <a:p>
             <a:r>
               <a:rPr lang="zh-CN" altLang="en-US" dirty="0" smtClean="0"/>
-              <a:t>种登录状态（在线、隐身</a:t>
-            </a:r>
-            <a:r>
-              <a:rPr lang="en-US" altLang="zh-CN" dirty="0" smtClean="0"/>
-              <a:t>……</a:t>
-            </a:r>
-            <a:r>
-              <a:rPr lang="zh-CN" altLang="en-US" dirty="0" smtClean="0"/>
-              <a:t>），以及登录成功后状态转换的测试用例</a:t>
-            </a:r>
-            <a:endParaRPr lang="en-US" altLang="zh-CN" dirty="0" smtClean="0"/>
-          </a:p>
-          <a:p>
-            <a:pPr>
-              <a:lnSpc>
-                <a:spcPct val="130000"/>
-              </a:lnSpc>
-            </a:pPr>
-            <a:r>
-              <a:rPr lang="zh-CN" altLang="en-US" dirty="0" smtClean="0"/>
-              <a:t>依据网上预订机票时，机票状态转换过程设计测试用例</a:t>
-            </a:r>
-            <a:endParaRPr lang="en-US" altLang="zh-CN" dirty="0" smtClean="0"/>
-          </a:p>
-          <a:p>
-            <a:pPr lvl="1">
-              <a:lnSpc>
-                <a:spcPct val="130000"/>
-              </a:lnSpc>
-            </a:pPr>
-            <a:r>
-              <a:rPr lang="zh-CN" altLang="en-US" dirty="0" smtClean="0"/>
-              <a:t>未购买   已预订</a:t>
-            </a:r>
-            <a:r>
-              <a:rPr lang="en-US" altLang="zh-CN" dirty="0" smtClean="0"/>
-              <a:t>  </a:t>
-            </a:r>
-            <a:r>
-              <a:rPr lang="zh-CN" altLang="en-US" dirty="0" smtClean="0"/>
-              <a:t>已付款</a:t>
-            </a:r>
-            <a:r>
-              <a:rPr lang="en-US" altLang="zh-CN" dirty="0" smtClean="0"/>
-              <a:t>     </a:t>
-            </a:r>
-            <a:r>
-              <a:rPr lang="zh-CN" altLang="en-US" dirty="0" smtClean="0"/>
-              <a:t>已退票</a:t>
-            </a:r>
-            <a:endParaRPr lang="en-US" altLang="zh-CN" dirty="0" smtClean="0"/>
-          </a:p>
-          <a:p>
+              <a:t>状态转换法适用的场景</a:t>
+            </a:r>
             <a:endParaRPr lang="zh-CN" altLang="en-US" dirty="0"/>
           </a:p>
         </p:txBody>
@@ -9401,6 +8995,77 @@
   <p:transition>
     <p:blinds dir="vert"/>
   </p:transition>
+  <p:timing>
+    <p:tnLst>
+      <p:par>
+        <p:cTn id="1" dur="indefinite" restart="never" nodeType="tmRoot"/>
+      </p:par>
+    </p:tnLst>
+  </p:timing>
+</p:sld>
+</file>
+
+<file path=ppt/slides/slide19.xml><?xml version="1.0" encoding="utf-8"?>
+<p:sld xmlns:a="http://schemas.openxmlformats.org/drawingml/2006/main" xmlns:r="http://schemas.openxmlformats.org/officeDocument/2006/relationships" xmlns:p="http://schemas.openxmlformats.org/presentationml/2006/main">
+  <p:cSld>
+    <p:spTree>
+      <p:nvGrpSpPr>
+        <p:cNvPr id="1" name=""/>
+        <p:cNvGrpSpPr/>
+        <p:nvPr/>
+      </p:nvGrpSpPr>
+      <p:grpSpPr>
+        <a:xfrm>
+          <a:off x="0" y="0"/>
+          <a:ext cx="0" cy="0"/>
+          <a:chOff x="0" y="0"/>
+          <a:chExt cx="0" cy="0"/>
+        </a:xfrm>
+      </p:grpSpPr>
+      <p:sp>
+        <p:nvSpPr>
+          <p:cNvPr id="15363" name="内容占位符 2"/>
+          <p:cNvSpPr>
+            <a:spLocks noGrp="1"/>
+          </p:cNvSpPr>
+          <p:nvPr>
+            <p:ph idx="1"/>
+          </p:nvPr>
+        </p:nvSpPr>
+        <p:spPr>
+          <a:xfrm>
+            <a:off x="3017658" y="2804082"/>
+            <a:ext cx="6000750" cy="1326996"/>
+          </a:xfrm>
+        </p:spPr>
+        <p:txBody>
+          <a:bodyPr/>
+          <a:lstStyle/>
+          <a:p>
+            <a:pPr marL="0" indent="0" algn="ctr">
+              <a:buNone/>
+            </a:pPr>
+            <a:r>
+              <a:rPr lang="en-US" altLang="zh-CN" sz="4400" b="1" dirty="0">
+                <a:latin typeface="Times New Roman" panose="02020603050405020304" pitchFamily="18" charset="0"/>
+                <a:ea typeface="黑体" panose="02010609060101010101" pitchFamily="49" charset="-122"/>
+                <a:cs typeface="Times New Roman" panose="02020603050405020304" pitchFamily="18" charset="0"/>
+              </a:rPr>
+              <a:t>Question</a:t>
+            </a:r>
+            <a:endParaRPr lang="zh-CN" altLang="en-US" sz="4400" dirty="0">
+              <a:latin typeface="Times New Roman" panose="02020603050405020304" pitchFamily="18" charset="0"/>
+              <a:cs typeface="Times New Roman" panose="02020603050405020304" pitchFamily="18" charset="0"/>
+            </a:endParaRPr>
+          </a:p>
+        </p:txBody>
+      </p:sp>
+    </p:spTree>
+  </p:cSld>
+  <p:clrMapOvr>
+    <a:masterClrMapping/>
+  </p:clrMapOvr>
+  <p:transition/>
   <p:timing>
     <p:tnLst>
       <p:par>
@@ -10172,287 +9837,6 @@
 </p:sld>
 </file>
 
-<file path=ppt/slides/slide20.xml><?xml version="1.0" encoding="utf-8"?>
-<p:sld xmlns:a="http://schemas.openxmlformats.org/drawingml/2006/main" xmlns:r="http://schemas.openxmlformats.org/officeDocument/2006/relationships" xmlns:p="http://schemas.openxmlformats.org/presentationml/2006/main">
-  <p:cSld>
-    <p:spTree>
-      <p:nvGrpSpPr>
-        <p:cNvPr id="1" name=""/>
-        <p:cNvGrpSpPr/>
-        <p:nvPr/>
-      </p:nvGrpSpPr>
-      <p:grpSpPr>
-        <a:xfrm>
-          <a:off x="0" y="0"/>
-          <a:ext cx="0" cy="0"/>
-          <a:chOff x="0" y="0"/>
-          <a:chExt cx="0" cy="0"/>
-        </a:xfrm>
-      </p:grpSpPr>
-      <p:sp>
-        <p:nvSpPr>
-          <p:cNvPr id="2" name="标题 1"/>
-          <p:cNvSpPr>
-            <a:spLocks noGrp="1"/>
-          </p:cNvSpPr>
-          <p:nvPr>
-            <p:ph type="title"/>
-          </p:nvPr>
-        </p:nvSpPr>
-        <p:spPr/>
-        <p:txBody>
-          <a:bodyPr/>
-          <a:lstStyle/>
-          <a:p>
-            <a:r>
-              <a:rPr lang="en-US" altLang="zh-CN" dirty="0"/>
-              <a:t>Practice</a:t>
-            </a:r>
-            <a:endParaRPr lang="zh-CN" altLang="en-US" dirty="0"/>
-          </a:p>
-        </p:txBody>
-      </p:sp>
-      <p:sp>
-        <p:nvSpPr>
-          <p:cNvPr id="3" name="内容占位符 2"/>
-          <p:cNvSpPr>
-            <a:spLocks noGrp="1"/>
-          </p:cNvSpPr>
-          <p:nvPr>
-            <p:ph idx="1"/>
-          </p:nvPr>
-        </p:nvSpPr>
-        <p:spPr/>
-        <p:txBody>
-          <a:bodyPr/>
-          <a:lstStyle/>
-          <a:p>
-            <a:pPr>
-              <a:lnSpc>
-                <a:spcPct val="130000"/>
-              </a:lnSpc>
-            </a:pPr>
-            <a:r>
-              <a:rPr lang="zh-CN" altLang="en-US" dirty="0"/>
-              <a:t>根据状态转换设计测试用例的方法理解计算器使用不同进制数计算功能测试方法</a:t>
-            </a:r>
-            <a:endParaRPr lang="en-US" altLang="zh-CN" dirty="0"/>
-          </a:p>
-          <a:p>
-            <a:r>
-              <a:rPr lang="zh-CN" altLang="en-US" dirty="0"/>
-              <a:t>根据状态转换设计测试用例的方法理解记事本文件关闭、打开、浏览、编辑、保存等状态转换的测试用例</a:t>
-            </a:r>
-          </a:p>
-          <a:p>
-            <a:endParaRPr lang="zh-CN" altLang="en-US" dirty="0"/>
-          </a:p>
-        </p:txBody>
-      </p:sp>
-    </p:spTree>
-  </p:cSld>
-  <p:clrMapOvr>
-    <a:masterClrMapping/>
-  </p:clrMapOvr>
-  <p:transition>
-    <p:blinds dir="vert"/>
-  </p:transition>
-  <p:timing>
-    <p:tnLst>
-      <p:par>
-        <p:cTn id="1" dur="indefinite" restart="never" nodeType="tmRoot"/>
-      </p:par>
-    </p:tnLst>
-  </p:timing>
-</p:sld>
-</file>
-
-<file path=ppt/slides/slide21.xml><?xml version="1.0" encoding="utf-8"?>
-<p:sld xmlns:a="http://schemas.openxmlformats.org/drawingml/2006/main" xmlns:r="http://schemas.openxmlformats.org/officeDocument/2006/relationships" xmlns:p="http://schemas.openxmlformats.org/presentationml/2006/main">
-  <p:cSld>
-    <p:spTree>
-      <p:nvGrpSpPr>
-        <p:cNvPr id="1" name=""/>
-        <p:cNvGrpSpPr/>
-        <p:nvPr/>
-      </p:nvGrpSpPr>
-      <p:grpSpPr>
-        <a:xfrm>
-          <a:off x="0" y="0"/>
-          <a:ext cx="0" cy="0"/>
-          <a:chOff x="0" y="0"/>
-          <a:chExt cx="0" cy="0"/>
-        </a:xfrm>
-      </p:grpSpPr>
-      <p:sp>
-        <p:nvSpPr>
-          <p:cNvPr id="2" name="标题 1"/>
-          <p:cNvSpPr>
-            <a:spLocks noGrp="1"/>
-          </p:cNvSpPr>
-          <p:nvPr>
-            <p:ph type="title"/>
-          </p:nvPr>
-        </p:nvSpPr>
-        <p:spPr/>
-        <p:txBody>
-          <a:bodyPr/>
-          <a:lstStyle/>
-          <a:p>
-            <a:r>
-              <a:rPr lang="zh-CN" altLang="en-US" dirty="0" smtClean="0"/>
-              <a:t>总结</a:t>
-            </a:r>
-            <a:endParaRPr lang="zh-CN" altLang="en-US" dirty="0"/>
-          </a:p>
-        </p:txBody>
-      </p:sp>
-      <p:sp>
-        <p:nvSpPr>
-          <p:cNvPr id="3" name="内容占位符 2"/>
-          <p:cNvSpPr>
-            <a:spLocks noGrp="1"/>
-          </p:cNvSpPr>
-          <p:nvPr>
-            <p:ph idx="1"/>
-          </p:nvPr>
-        </p:nvSpPr>
-        <p:spPr/>
-        <p:txBody>
-          <a:bodyPr/>
-          <a:lstStyle/>
-          <a:p>
-            <a:r>
-              <a:rPr lang="zh-CN" altLang="en-US" dirty="0" smtClean="0"/>
-              <a:t>什么是状态转换法</a:t>
-            </a:r>
-            <a:endParaRPr lang="en-US" altLang="zh-CN" dirty="0" smtClean="0"/>
-          </a:p>
-          <a:p>
-            <a:r>
-              <a:rPr lang="zh-CN" altLang="en-US" dirty="0" smtClean="0"/>
-              <a:t>状态转换法如何使用</a:t>
-            </a:r>
-            <a:endParaRPr lang="en-US" altLang="zh-CN" dirty="0" smtClean="0"/>
-          </a:p>
-          <a:p>
-            <a:pPr lvl="1"/>
-            <a:r>
-              <a:rPr lang="zh-CN" altLang="en-US" dirty="0" smtClean="0"/>
-              <a:t>建立状态转换图（树）</a:t>
-            </a:r>
-            <a:endParaRPr lang="en-US" altLang="zh-CN" dirty="0" smtClean="0"/>
-          </a:p>
-          <a:p>
-            <a:pPr lvl="1"/>
-            <a:r>
-              <a:rPr lang="zh-CN" altLang="en-US" dirty="0"/>
-              <a:t>转</a:t>
-            </a:r>
-            <a:r>
-              <a:rPr lang="zh-CN" altLang="en-US" dirty="0" smtClean="0"/>
-              <a:t>成测试用例</a:t>
-            </a:r>
-            <a:endParaRPr lang="en-US" altLang="zh-CN" dirty="0" smtClean="0"/>
-          </a:p>
-          <a:p>
-            <a:r>
-              <a:rPr lang="zh-CN" altLang="en-US" dirty="0" smtClean="0"/>
-              <a:t>状态转换法适用的场景</a:t>
-            </a:r>
-            <a:endParaRPr lang="zh-CN" altLang="en-US" dirty="0"/>
-          </a:p>
-        </p:txBody>
-      </p:sp>
-    </p:spTree>
-  </p:cSld>
-  <p:clrMapOvr>
-    <a:masterClrMapping/>
-  </p:clrMapOvr>
-  <p:transition>
-    <p:blinds dir="vert"/>
-  </p:transition>
-  <p:timing>
-    <p:tnLst>
-      <p:par>
-        <p:cTn id="1" dur="indefinite" restart="never" nodeType="tmRoot"/>
-      </p:par>
-    </p:tnLst>
-  </p:timing>
-</p:sld>
-</file>
-
-<file path=ppt/slides/slide22.xml><?xml version="1.0" encoding="utf-8"?>
-<p:sld xmlns:a="http://schemas.openxmlformats.org/drawingml/2006/main" xmlns:r="http://schemas.openxmlformats.org/officeDocument/2006/relationships" xmlns:p="http://schemas.openxmlformats.org/presentationml/2006/main">
-  <p:cSld>
-    <p:spTree>
-      <p:nvGrpSpPr>
-        <p:cNvPr id="1" name=""/>
-        <p:cNvGrpSpPr/>
-        <p:nvPr/>
-      </p:nvGrpSpPr>
-      <p:grpSpPr>
-        <a:xfrm>
-          <a:off x="0" y="0"/>
-          <a:ext cx="0" cy="0"/>
-          <a:chOff x="0" y="0"/>
-          <a:chExt cx="0" cy="0"/>
-        </a:xfrm>
-      </p:grpSpPr>
-      <p:sp>
-        <p:nvSpPr>
-          <p:cNvPr id="15363" name="内容占位符 2"/>
-          <p:cNvSpPr>
-            <a:spLocks noGrp="1"/>
-          </p:cNvSpPr>
-          <p:nvPr>
-            <p:ph idx="1"/>
-          </p:nvPr>
-        </p:nvSpPr>
-        <p:spPr>
-          <a:xfrm>
-            <a:off x="3017658" y="2804082"/>
-            <a:ext cx="6000750" cy="1326996"/>
-          </a:xfrm>
-        </p:spPr>
-        <p:txBody>
-          <a:bodyPr/>
-          <a:lstStyle/>
-          <a:p>
-            <a:pPr marL="0" indent="0" algn="ctr">
-              <a:buNone/>
-            </a:pPr>
-            <a:r>
-              <a:rPr lang="en-US" altLang="zh-CN" sz="4400" b="1" dirty="0">
-                <a:latin typeface="Times New Roman" panose="02020603050405020304" pitchFamily="18" charset="0"/>
-                <a:ea typeface="黑体" panose="02010609060101010101" pitchFamily="49" charset="-122"/>
-                <a:cs typeface="Times New Roman" panose="02020603050405020304" pitchFamily="18" charset="0"/>
-              </a:rPr>
-              <a:t>Question</a:t>
-            </a:r>
-            <a:endParaRPr lang="zh-CN" altLang="en-US" sz="4400" dirty="0">
-              <a:latin typeface="Times New Roman" panose="02020603050405020304" pitchFamily="18" charset="0"/>
-              <a:cs typeface="Times New Roman" panose="02020603050405020304" pitchFamily="18" charset="0"/>
-            </a:endParaRPr>
-          </a:p>
-        </p:txBody>
-      </p:sp>
-    </p:spTree>
-  </p:cSld>
-  <p:clrMapOvr>
-    <a:masterClrMapping/>
-  </p:clrMapOvr>
-  <p:transition/>
-  <p:timing>
-    <p:tnLst>
-      <p:par>
-        <p:cTn id="1" dur="indefinite" restart="never" nodeType="tmRoot"/>
-      </p:par>
-    </p:tnLst>
-  </p:timing>
-</p:sld>
-</file>
-
 <file path=ppt/slides/slide3.xml><?xml version="1.0" encoding="utf-8"?>
 <p:sld xmlns:a="http://schemas.openxmlformats.org/drawingml/2006/main" xmlns:r="http://schemas.openxmlformats.org/officeDocument/2006/relationships" xmlns:p="http://schemas.openxmlformats.org/presentationml/2006/main">
   <p:cSld>
@@ -10592,151 +9976,6 @@
 </file>
 
 <file path=ppt/slides/slide4.xml><?xml version="1.0" encoding="utf-8"?>
-<p:sld xmlns:a="http://schemas.openxmlformats.org/drawingml/2006/main" xmlns:r="http://schemas.openxmlformats.org/officeDocument/2006/relationships" xmlns:p="http://schemas.openxmlformats.org/presentationml/2006/main" show="0">
-  <p:cSld>
-    <p:spTree>
-      <p:nvGrpSpPr>
-        <p:cNvPr id="1" name=""/>
-        <p:cNvGrpSpPr/>
-        <p:nvPr/>
-      </p:nvGrpSpPr>
-      <p:grpSpPr>
-        <a:xfrm>
-          <a:off x="0" y="0"/>
-          <a:ext cx="0" cy="0"/>
-          <a:chOff x="0" y="0"/>
-          <a:chExt cx="0" cy="0"/>
-        </a:xfrm>
-      </p:grpSpPr>
-      <p:sp>
-        <p:nvSpPr>
-          <p:cNvPr id="5" name="AutoShape 6"/>
-          <p:cNvSpPr>
-            <a:spLocks noChangeArrowheads="1"/>
-          </p:cNvSpPr>
-          <p:nvPr/>
-        </p:nvSpPr>
-        <p:spPr bwMode="auto">
-          <a:xfrm>
-            <a:off x="787678" y="1556728"/>
-            <a:ext cx="8513076" cy="2649512"/>
-          </a:xfrm>
-          <a:prstGeom prst="roundRect">
-            <a:avLst>
-              <a:gd name="adj" fmla="val 16667"/>
-            </a:avLst>
-          </a:prstGeom>
-          <a:noFill/>
-          <a:ln w="28575">
-            <a:solidFill>
-              <a:srgbClr val="C0C0C0"/>
-            </a:solidFill>
-            <a:prstDash val="sysDot"/>
-            <a:round/>
-          </a:ln>
-        </p:spPr>
-        <p:txBody>
-          <a:bodyPr wrap="none" anchor="ctr"/>
-          <a:lstStyle/>
-          <a:p>
-            <a:pPr>
-              <a:lnSpc>
-                <a:spcPct val="130000"/>
-              </a:lnSpc>
-              <a:buClr>
-                <a:srgbClr val="92D050"/>
-              </a:buClr>
-              <a:defRPr/>
-            </a:pPr>
-            <a:endParaRPr lang="en-US" altLang="zh-CN" sz="2800" b="1" dirty="0">
-              <a:solidFill>
-                <a:schemeClr val="tx1">
-                  <a:lumMod val="10000"/>
-                </a:schemeClr>
-              </a:solidFill>
-              <a:latin typeface="楷体" panose="02010609060101010101" pitchFamily="49" charset="-122"/>
-              <a:ea typeface="楷体" panose="02010609060101010101" pitchFamily="49" charset="-122"/>
-            </a:endParaRPr>
-          </a:p>
-        </p:txBody>
-      </p:sp>
-      <p:sp>
-        <p:nvSpPr>
-          <p:cNvPr id="3" name="标题 2"/>
-          <p:cNvSpPr>
-            <a:spLocks noGrp="1"/>
-          </p:cNvSpPr>
-          <p:nvPr>
-            <p:ph type="title"/>
-          </p:nvPr>
-        </p:nvSpPr>
-        <p:spPr/>
-        <p:txBody>
-          <a:bodyPr/>
-          <a:lstStyle/>
-          <a:p>
-            <a:r>
-              <a:rPr lang="zh-CN" altLang="en-US" smtClean="0"/>
-              <a:t>本节教学目标</a:t>
-            </a:r>
-            <a:endParaRPr lang="zh-CN" altLang="en-US" dirty="0"/>
-          </a:p>
-        </p:txBody>
-      </p:sp>
-      <p:sp>
-        <p:nvSpPr>
-          <p:cNvPr id="4" name="内容占位符 3"/>
-          <p:cNvSpPr>
-            <a:spLocks noGrp="1"/>
-          </p:cNvSpPr>
-          <p:nvPr>
-            <p:ph idx="1"/>
-          </p:nvPr>
-        </p:nvSpPr>
-        <p:spPr>
-          <a:xfrm>
-            <a:off x="695400" y="1538064"/>
-            <a:ext cx="10668000" cy="4267200"/>
-          </a:xfrm>
-        </p:spPr>
-        <p:txBody>
-          <a:bodyPr/>
-          <a:lstStyle/>
-          <a:p>
-            <a:pPr lvl="1"/>
-            <a:r>
-              <a:rPr lang="zh-CN" altLang="en-US" dirty="0" smtClean="0"/>
-              <a:t>理解什么是状态测试</a:t>
-            </a:r>
-            <a:endParaRPr lang="en-US" altLang="zh-CN" dirty="0" smtClean="0"/>
-          </a:p>
-          <a:p>
-            <a:pPr lvl="1"/>
-            <a:r>
-              <a:rPr lang="zh-CN" altLang="en-US" dirty="0" smtClean="0"/>
-              <a:t>掌握建立程序状态转换图并设计测试用例的方法</a:t>
-            </a:r>
-            <a:endParaRPr lang="en-US" altLang="zh-CN" dirty="0"/>
-          </a:p>
-        </p:txBody>
-      </p:sp>
-    </p:spTree>
-  </p:cSld>
-  <p:clrMapOvr>
-    <a:masterClrMapping/>
-  </p:clrMapOvr>
-  <p:transition spd="med"/>
-  <p:timing>
-    <p:tnLst>
-      <p:par>
-        <p:cTn id="1" dur="indefinite" restart="never" nodeType="tmRoot"/>
-      </p:par>
-    </p:tnLst>
-  </p:timing>
-</p:sld>
-</file>
-
-<file path=ppt/slides/slide5.xml><?xml version="1.0" encoding="utf-8"?>
 <p:sld xmlns:a="http://schemas.openxmlformats.org/drawingml/2006/main" xmlns:r="http://schemas.openxmlformats.org/officeDocument/2006/relationships" xmlns:p="http://schemas.openxmlformats.org/presentationml/2006/main">
   <p:cSld>
     <p:spTree>
@@ -11427,7 +10666,7 @@
 </p:sld>
 </file>
 
-<file path=ppt/slides/slide6.xml><?xml version="1.0" encoding="utf-8"?>
+<file path=ppt/slides/slide5.xml><?xml version="1.0" encoding="utf-8"?>
 <p:sld xmlns:a="http://schemas.openxmlformats.org/drawingml/2006/main" xmlns:r="http://schemas.openxmlformats.org/officeDocument/2006/relationships" xmlns:p="http://schemas.openxmlformats.org/presentationml/2006/main">
   <p:cSld>
     <p:spTree>
@@ -11654,7 +10893,7 @@
 </p:sld>
 </file>
 
-<file path=ppt/slides/slide7.xml><?xml version="1.0" encoding="utf-8"?>
+<file path=ppt/slides/slide6.xml><?xml version="1.0" encoding="utf-8"?>
 <p:sld xmlns:a="http://schemas.openxmlformats.org/drawingml/2006/main" xmlns:r="http://schemas.openxmlformats.org/officeDocument/2006/relationships" xmlns:p="http://schemas.openxmlformats.org/presentationml/2006/main">
   <p:cSld>
     <p:spTree>
@@ -12343,7 +11582,7 @@
 </p:sld>
 </file>
 
-<file path=ppt/slides/slide8.xml><?xml version="1.0" encoding="utf-8"?>
+<file path=ppt/slides/slide7.xml><?xml version="1.0" encoding="utf-8"?>
 <p:sld xmlns:a="http://schemas.openxmlformats.org/drawingml/2006/main" xmlns:r="http://schemas.openxmlformats.org/officeDocument/2006/relationships" xmlns:p="http://schemas.openxmlformats.org/presentationml/2006/main">
   <p:cSld>
     <p:spTree>
@@ -12376,15 +11615,15 @@
           <a:lstStyle/>
           <a:p>
             <a:r>
-              <a:rPr lang="zh-CN" altLang="en-US" smtClean="0"/>
+              <a:rPr lang="zh-CN" altLang="en-US" dirty="0" smtClean="0"/>
               <a:t>状态转换测试概述</a:t>
             </a:r>
             <a:r>
-              <a:rPr lang="en-US" altLang="zh-CN" smtClean="0"/>
+              <a:rPr lang="en-US" altLang="zh-CN" dirty="0" smtClean="0"/>
               <a:t>—</a:t>
             </a:r>
             <a:r>
-              <a:rPr lang="zh-CN" altLang="en-US" smtClean="0"/>
+              <a:rPr lang="zh-CN" altLang="en-US" dirty="0" smtClean="0"/>
               <a:t>有限状态机</a:t>
             </a:r>
             <a:endParaRPr lang="zh-CN" altLang="en-US" dirty="0"/>
@@ -12545,11 +11784,17 @@
           <p:cNvGraphicFramePr>
             <a:graphicFrameLocks noGrp="1"/>
           </p:cNvGraphicFramePr>
-          <p:nvPr/>
+          <p:nvPr>
+            <p:extLst>
+              <p:ext uri="{D42A27DB-BD31-4B8C-83A1-F6EECF244321}">
+                <p14:modId xmlns:p14="http://schemas.microsoft.com/office/powerpoint/2010/main" val="3185168185"/>
+              </p:ext>
+            </p:extLst>
+          </p:nvPr>
         </p:nvGraphicFramePr>
         <p:xfrm>
           <a:off x="5087888" y="3212976"/>
-          <a:ext cx="3319126" cy="2670786"/>
+          <a:ext cx="4104456" cy="2670786"/>
         </p:xfrm>
         <a:graphic>
           <a:graphicData uri="http://schemas.openxmlformats.org/drawingml/2006/table">
@@ -12560,7 +11805,7 @@
               <a:tblGrid>
                 <a:gridCol w="1106375"/>
                 <a:gridCol w="1106375"/>
-                <a:gridCol w="1106376"/>
+                <a:gridCol w="1891706"/>
               </a:tblGrid>
               <a:tr h="798578">
                 <a:tc>
@@ -13751,6 +12996,229 @@
     <p:bldLst>
       <p:bldP spid="3" grpId="0" build="p"/>
     </p:bldLst>
+  </p:timing>
+</p:sld>
+</file>
+
+<file path=ppt/slides/slide8.xml><?xml version="1.0" encoding="utf-8"?>
+<p:sld xmlns:a="http://schemas.openxmlformats.org/drawingml/2006/main" xmlns:r="http://schemas.openxmlformats.org/officeDocument/2006/relationships" xmlns:p="http://schemas.openxmlformats.org/presentationml/2006/main">
+  <p:cSld>
+    <p:spTree>
+      <p:nvGrpSpPr>
+        <p:cNvPr id="1" name=""/>
+        <p:cNvGrpSpPr/>
+        <p:nvPr/>
+      </p:nvGrpSpPr>
+      <p:grpSpPr>
+        <a:xfrm>
+          <a:off x="0" y="0"/>
+          <a:ext cx="0" cy="0"/>
+          <a:chOff x="0" y="0"/>
+          <a:chExt cx="0" cy="0"/>
+        </a:xfrm>
+      </p:grpSpPr>
+      <p:sp>
+        <p:nvSpPr>
+          <p:cNvPr id="3" name="内容占位符 2"/>
+          <p:cNvSpPr>
+            <a:spLocks noGrp="1"/>
+          </p:cNvSpPr>
+          <p:nvPr>
+            <p:ph sz="half" idx="1"/>
+          </p:nvPr>
+        </p:nvSpPr>
+        <p:spPr>
+          <a:xfrm>
+            <a:off x="623392" y="1124744"/>
+            <a:ext cx="10629900" cy="2853055"/>
+          </a:xfrm>
+        </p:spPr>
+        <p:txBody>
+          <a:bodyPr/>
+          <a:lstStyle/>
+          <a:p>
+            <a:pPr marL="469900" lvl="1" indent="-469900">
+              <a:buFont typeface="Wingdings" panose="05000000000000000000" pitchFamily="2" charset="2"/>
+              <a:buChar char="Ø"/>
+            </a:pPr>
+            <a:r>
+              <a:rPr lang="zh-CN" altLang="en-US" sz="2800" dirty="0">
+                <a:ea typeface="楷体" panose="02010609060101010101" pitchFamily="49" charset="-122"/>
+                <a:sym typeface="+mn-ea"/>
+              </a:rPr>
+              <a:t>使用场合：多状态变化的</a:t>
+            </a:r>
+            <a:r>
+              <a:rPr lang="zh-CN" altLang="en-US" sz="2800" dirty="0" smtClean="0">
+                <a:ea typeface="楷体" panose="02010609060101010101" pitchFamily="49" charset="-122"/>
+                <a:sym typeface="+mn-ea"/>
+              </a:rPr>
+              <a:t>情况</a:t>
+            </a:r>
+            <a:endParaRPr lang="en-US" altLang="zh-CN" sz="2800" dirty="0" smtClean="0">
+              <a:ea typeface="楷体" panose="02010609060101010101" pitchFamily="49" charset="-122"/>
+              <a:sym typeface="+mn-ea"/>
+            </a:endParaRPr>
+          </a:p>
+          <a:p>
+            <a:pPr marL="469900" lvl="1" indent="-469900">
+              <a:buFont typeface="Wingdings" panose="05000000000000000000" pitchFamily="2" charset="2"/>
+              <a:buChar char="Ø"/>
+            </a:pPr>
+            <a:r>
+              <a:rPr lang="zh-CN" altLang="en-US" sz="2800" dirty="0" smtClean="0">
+                <a:ea typeface="楷体" panose="02010609060101010101" pitchFamily="49" charset="-122"/>
+                <a:sym typeface="+mn-ea"/>
+              </a:rPr>
+              <a:t>目标：设计测试用例达到对系统状态的覆盖，状态</a:t>
+            </a:r>
+            <a:r>
+              <a:rPr lang="en-US" altLang="zh-CN" sz="2800" dirty="0" smtClean="0">
+                <a:ea typeface="楷体" panose="02010609060101010101" pitchFamily="49" charset="-122"/>
+                <a:sym typeface="+mn-ea"/>
+              </a:rPr>
+              <a:t>-</a:t>
+            </a:r>
+            <a:r>
+              <a:rPr lang="zh-CN" altLang="en-US" sz="2800" dirty="0" smtClean="0">
+                <a:ea typeface="楷体" panose="02010609060101010101" pitchFamily="49" charset="-122"/>
+                <a:sym typeface="+mn-ea"/>
+              </a:rPr>
+              <a:t>条件组合的覆盖以及状态迁移路径的覆盖。</a:t>
+            </a:r>
+            <a:endParaRPr lang="zh-CN" altLang="en-US" sz="2800" dirty="0">
+              <a:ea typeface="楷体" panose="02010609060101010101" pitchFamily="49" charset="-122"/>
+            </a:endParaRPr>
+          </a:p>
+          <a:p>
+            <a:pPr marL="469900" lvl="1" indent="-469900">
+              <a:buFont typeface="Wingdings" panose="05000000000000000000" pitchFamily="2" charset="2"/>
+              <a:buChar char="Ø"/>
+            </a:pPr>
+            <a:r>
+              <a:rPr lang="zh-CN" altLang="en-US" sz="2800" dirty="0">
+                <a:ea typeface="楷体" panose="02010609060101010101" pitchFamily="49" charset="-122"/>
+              </a:rPr>
+              <a:t>状态图的使用步骤</a:t>
+            </a:r>
+            <a:endParaRPr lang="en-US" altLang="zh-CN" sz="2800" dirty="0">
+              <a:ea typeface="楷体" panose="02010609060101010101" pitchFamily="49" charset="-122"/>
+            </a:endParaRPr>
+          </a:p>
+          <a:p>
+            <a:pPr marL="471170" lvl="1" indent="0">
+              <a:buNone/>
+            </a:pPr>
+            <a:r>
+              <a:rPr lang="en-US" altLang="zh-CN" sz="2700" b="1" dirty="0" smtClean="0"/>
+              <a:t>1</a:t>
+            </a:r>
+            <a:r>
+              <a:rPr lang="en-US" altLang="zh-CN" sz="2700" b="1" dirty="0"/>
+              <a:t>.</a:t>
+            </a:r>
+            <a:r>
+              <a:rPr lang="zh-CN" altLang="zh-CN" sz="2700" b="1" dirty="0"/>
+              <a:t>根据需求，理解关键字段，获得主要的状态</a:t>
+            </a:r>
+          </a:p>
+          <a:p>
+            <a:pPr marL="471170" lvl="1" indent="0">
+              <a:buNone/>
+            </a:pPr>
+            <a:r>
+              <a:rPr lang="en-US" altLang="zh-CN" sz="2700" b="1" dirty="0"/>
+              <a:t>2.</a:t>
+            </a:r>
+            <a:r>
+              <a:rPr lang="zh-CN" altLang="en-US" sz="2700" b="1" dirty="0"/>
+              <a:t>绘制</a:t>
+            </a:r>
+            <a:r>
+              <a:rPr lang="zh-CN" altLang="zh-CN" sz="2700" b="1" dirty="0"/>
+              <a:t>状态迁移图</a:t>
+            </a:r>
+          </a:p>
+          <a:p>
+            <a:pPr marL="471170" lvl="1" indent="0">
+              <a:buNone/>
+            </a:pPr>
+            <a:r>
+              <a:rPr lang="en-US" altLang="zh-CN" sz="2700" b="1" dirty="0"/>
+              <a:t>3.</a:t>
+            </a:r>
+            <a:r>
+              <a:rPr lang="zh-CN" altLang="zh-CN" sz="2700" b="1" dirty="0"/>
+              <a:t>画出状态迁移树</a:t>
+            </a:r>
+            <a:endParaRPr lang="en-US" altLang="zh-CN" sz="2700" b="1" dirty="0"/>
+          </a:p>
+          <a:p>
+            <a:pPr marL="471170" lvl="1" indent="0">
+              <a:buNone/>
+            </a:pPr>
+            <a:r>
+              <a:rPr lang="en-US" altLang="zh-CN" sz="2700" b="1" dirty="0"/>
+              <a:t>4.</a:t>
+            </a:r>
+            <a:r>
+              <a:rPr lang="zh-CN" altLang="en-US" sz="2700" b="1" dirty="0"/>
+              <a:t>抽取</a:t>
+            </a:r>
+            <a:r>
+              <a:rPr lang="zh-CN" altLang="en-US" sz="2700" b="1" dirty="0" smtClean="0"/>
+              <a:t>测试用例规则（每个状态至少到达一次）</a:t>
+            </a:r>
+            <a:endParaRPr lang="zh-CN" altLang="en-US" sz="2700" b="1" dirty="0"/>
+          </a:p>
+        </p:txBody>
+      </p:sp>
+      <p:sp>
+        <p:nvSpPr>
+          <p:cNvPr id="6" name="标题 5"/>
+          <p:cNvSpPr>
+            <a:spLocks noGrp="1"/>
+          </p:cNvSpPr>
+          <p:nvPr>
+            <p:ph type="title"/>
+          </p:nvPr>
+        </p:nvSpPr>
+        <p:spPr>
+          <a:xfrm>
+            <a:off x="695400" y="188640"/>
+            <a:ext cx="10515600" cy="752475"/>
+          </a:xfrm>
+        </p:spPr>
+        <p:txBody>
+          <a:bodyPr/>
+          <a:lstStyle/>
+          <a:p>
+            <a:r>
+              <a:rPr lang="zh-CN" altLang="en-US" dirty="0"/>
+              <a:t>状态转换测试概述</a:t>
+            </a:r>
+          </a:p>
+        </p:txBody>
+      </p:sp>
+    </p:spTree>
+    <p:extLst>
+      <p:ext uri="{BB962C8B-B14F-4D97-AF65-F5344CB8AC3E}">
+        <p14:creationId xmlns:p14="http://schemas.microsoft.com/office/powerpoint/2010/main" val="3701915189"/>
+      </p:ext>
+    </p:extLst>
+  </p:cSld>
+  <p:clrMapOvr>
+    <a:masterClrMapping/>
+  </p:clrMapOvr>
+  <p:transition>
+    <p:blinds dir="vert"/>
+  </p:transition>
+  <p:timing>
+    <p:tnLst>
+      <p:par>
+        <p:cTn id="1" dur="indefinite" restart="never" nodeType="tmRoot"/>
+      </p:par>
+    </p:tnLst>
   </p:timing>
 </p:sld>
 </file>
@@ -14463,7 +13931,7 @@
   </a:extraClrSchemeLst>
   <a:extLst>
     <a:ext uri="{05A4C25C-085E-4340-85A3-A5531E510DB2}">
-      <thm15:themeFamily xmlns:thm15="http://schemas.microsoft.com/office/thememl/2012/main" xmlns="" name="Office Theme" id="{62F939B6-93AF-4DB8-9C6B-D6C7DFDC589F}" vid="{4A3C46E8-61CC-4603-A589-7422A47A8E4A}"/>
+      <thm15:themeFamily xmlns="" xmlns:thm15="http://schemas.microsoft.com/office/thememl/2012/main" name="Office Theme" id="{62F939B6-93AF-4DB8-9C6B-D6C7DFDC589F}" vid="{4A3C46E8-61CC-4603-A589-7422A47A8E4A}"/>
     </a:ext>
   </a:extLst>
 </a:theme>
@@ -14751,7 +14219,7 @@
   <a:extraClrSchemeLst/>
   <a:extLst>
     <a:ext uri="{05A4C25C-085E-4340-85A3-A5531E510DB2}">
-      <thm15:themeFamily xmlns:thm15="http://schemas.microsoft.com/office/thememl/2012/main" xmlns="" name="Office Theme" id="{62F939B6-93AF-4DB8-9C6B-D6C7DFDC589F}" vid="{4A3C46E8-61CC-4603-A589-7422A47A8E4A}"/>
+      <thm15:themeFamily xmlns="" xmlns:thm15="http://schemas.microsoft.com/office/thememl/2012/main" name="Office Theme" id="{62F939B6-93AF-4DB8-9C6B-D6C7DFDC589F}" vid="{4A3C46E8-61CC-4603-A589-7422A47A8E4A}"/>
     </a:ext>
   </a:extLst>
 </a:theme>
@@ -15039,7 +14507,7 @@
   <a:extraClrSchemeLst/>
   <a:extLst>
     <a:ext uri="{05A4C25C-085E-4340-85A3-A5531E510DB2}">
-      <thm15:themeFamily xmlns:thm15="http://schemas.microsoft.com/office/thememl/2012/main" xmlns="" name="Office Theme" id="{62F939B6-93AF-4DB8-9C6B-D6C7DFDC589F}" vid="{4A3C46E8-61CC-4603-A589-7422A47A8E4A}"/>
+      <thm15:themeFamily xmlns="" xmlns:thm15="http://schemas.microsoft.com/office/thememl/2012/main" name="Office Theme" id="{62F939B6-93AF-4DB8-9C6B-D6C7DFDC589F}" vid="{4A3C46E8-61CC-4603-A589-7422A47A8E4A}"/>
     </a:ext>
   </a:extLst>
 </a:theme>
